--- a/documentation/03 Channels and Gateways.pptx
+++ b/documentation/03 Channels and Gateways.pptx
@@ -225,7 +225,7 @@
           <a:p>
             <a:fld id="{CE53DE84-D7B3-4797-B14D-77424657396D}" type="datetimeFigureOut">
               <a:rPr lang="en-GB" smtClean="0"/>
-              <a:t>21/02/2018</a:t>
+              <a:t>01/03/2018</a:t>
             </a:fld>
             <a:endParaRPr lang="en-GB" dirty="0"/>
           </a:p>
@@ -390,7 +390,7 @@
           <a:p>
             <a:fld id="{D1C597EC-6BB0-461C-B045-D257C6C8821E}" type="datetimeFigureOut">
               <a:rPr lang="en-GB" smtClean="0"/>
-              <a:t>21/02/2018</a:t>
+              <a:t>01/03/2018</a:t>
             </a:fld>
             <a:endParaRPr lang="en-GB" dirty="0"/>
           </a:p>
@@ -1664,7 +1664,7 @@
           <a:p>
             <a:fld id="{22E7AA2F-F619-4723-B6E7-545F24B9918D}" type="datetime4">
               <a:rPr lang="en-GB" smtClean="0"/>
-              <a:t>21 February 2018</a:t>
+              <a:t>01 March 2018</a:t>
             </a:fld>
             <a:endParaRPr lang="en-GB" dirty="0"/>
           </a:p>
@@ -1868,7 +1868,7 @@
           <a:p>
             <a:fld id="{2A4201E0-34F3-46A7-AE44-D99163B13904}" type="datetime4">
               <a:rPr lang="en-GB" smtClean="0"/>
-              <a:t>21 February 2018</a:t>
+              <a:t>01 March 2018</a:t>
             </a:fld>
             <a:endParaRPr lang="en-GB" dirty="0"/>
           </a:p>
@@ -2116,7 +2116,7 @@
           <a:p>
             <a:fld id="{4FAE0867-24A8-448F-B507-CC8586AA6B96}" type="datetime4">
               <a:rPr lang="en-GB" smtClean="0"/>
-              <a:t>21 February 2018</a:t>
+              <a:t>01 March 2018</a:t>
             </a:fld>
             <a:endParaRPr lang="en-GB" dirty="0"/>
           </a:p>
@@ -2300,7 +2300,7 @@
           <a:p>
             <a:fld id="{54BE1DED-F17D-40BA-964F-A1C8DEDCEF61}" type="datetime4">
               <a:rPr lang="en-GB" smtClean="0"/>
-              <a:t>21 February 2018</a:t>
+              <a:t>01 March 2018</a:t>
             </a:fld>
             <a:endParaRPr lang="en-GB" dirty="0"/>
           </a:p>
@@ -2676,7 +2676,7 @@
             <a:fld id="{D9FBC6CA-9941-44FF-B65D-C7A23CB5A4BE}" type="datetime4">
               <a:rPr lang="en-GB" smtClean="0"/>
               <a:pPr/>
-              <a:t>21 February 2018</a:t>
+              <a:t>01 March 2018</a:t>
             </a:fld>
             <a:endParaRPr lang="en-GB" dirty="0"/>
           </a:p>
@@ -2862,7 +2862,7 @@
           <a:p>
             <a:fld id="{D473304B-F8FC-4BC7-8FE8-C50BC87E1FAB}" type="datetime4">
               <a:rPr lang="en-GB" smtClean="0"/>
-              <a:t>21 February 2018</a:t>
+              <a:t>01 March 2018</a:t>
             </a:fld>
             <a:endParaRPr lang="en-GB" dirty="0"/>
           </a:p>
@@ -2957,7 +2957,7 @@
           <a:p>
             <a:fld id="{D3D7C3DF-C1B2-4C30-9BDA-F5EE790E7213}" type="datetime4">
               <a:rPr lang="en-GB" smtClean="0"/>
-              <a:t>21 February 2018</a:t>
+              <a:t>01 March 2018</a:t>
             </a:fld>
             <a:endParaRPr lang="en-GB" dirty="0"/>
           </a:p>
@@ -3182,7 +3182,7 @@
           <a:p>
             <a:fld id="{7A1E630C-C3F3-4A66-A20B-F3CE4CC3331D}" type="datetime4">
               <a:rPr lang="en-GB" smtClean="0"/>
-              <a:t>21 February 2018</a:t>
+              <a:t>01 March 2018</a:t>
             </a:fld>
             <a:endParaRPr lang="en-GB" dirty="0"/>
           </a:p>
@@ -3816,7 +3816,7 @@
           <a:p>
             <a:fld id="{D22C19FE-D082-4640-BFED-203C0E583774}" type="datetime4">
               <a:rPr lang="en-GB" smtClean="0"/>
-              <a:t>21 February 2018</a:t>
+              <a:t>01 March 2018</a:t>
             </a:fld>
             <a:endParaRPr lang="en-GB" dirty="0"/>
           </a:p>
@@ -4421,7 +4421,7 @@
             <a:pPr lvl="1"/>
             <a:r>
               <a:rPr lang="en-GB" dirty="0" smtClean="0"/>
-              <a:t>July 2017</a:t>
+              <a:t>2018</a:t>
             </a:r>
             <a:endParaRPr lang="en-GB" dirty="0"/>
           </a:p>
@@ -4521,7 +4521,7 @@
             <a:fld id="{BC3F1638-3586-4527-A760-38AC15BFC248}" type="datetime4">
               <a:rPr lang="en-GB" smtClean="0"/>
               <a:pPr/>
-              <a:t>21 February 2018</a:t>
+              <a:t>01 March 2018</a:t>
             </a:fld>
             <a:endParaRPr lang="en-GB" dirty="0"/>
           </a:p>
@@ -4559,7 +4559,7 @@
         </p:nvSpPr>
         <p:spPr>
           <a:xfrm>
-            <a:off x="623888" y="930415"/>
+            <a:off x="623888" y="1489708"/>
             <a:ext cx="9789619" cy="2991588"/>
           </a:xfrm>
           <a:prstGeom prst="rect">
@@ -4822,7 +4822,7 @@
             <a:fld id="{BC3F1638-3586-4527-A760-38AC15BFC248}" type="datetime4">
               <a:rPr lang="en-GB" smtClean="0"/>
               <a:pPr/>
-              <a:t>21 February 2018</a:t>
+              <a:t>01 March 2018</a:t>
             </a:fld>
             <a:endParaRPr lang="en-GB" dirty="0"/>
           </a:p>
@@ -4860,7 +4860,7 @@
         </p:nvSpPr>
         <p:spPr>
           <a:xfrm>
-            <a:off x="623888" y="930415"/>
+            <a:off x="526689" y="1800426"/>
             <a:ext cx="9789619" cy="2549929"/>
           </a:xfrm>
           <a:prstGeom prst="rect">
@@ -4896,16 +4896,7 @@
                 </a:solidFill>
                 <a:latin typeface="Courier" pitchFamily="49" charset="0"/>
               </a:rPr>
-              <a:t>Sends and Receive message</a:t>
-            </a:r>
-            <a:r>
-              <a:rPr lang="en-US" b="1" dirty="0" smtClean="0">
-                <a:solidFill>
-                  <a:schemeClr val="accent2"/>
-                </a:solidFill>
-                <a:latin typeface="Courier" pitchFamily="49" charset="0"/>
-              </a:rPr>
-              <a:t>. </a:t>
+              <a:t>Sends and Receive message. </a:t>
             </a:r>
           </a:p>
           <a:p>
@@ -5106,7 +5097,6 @@
               <a:rPr lang="en-GB" dirty="0" smtClean="0"/>
               <a:t>Rajesh Badiye</a:t>
             </a:r>
-            <a:endParaRPr lang="en-GB" dirty="0" smtClean="0"/>
           </a:p>
           <a:p>
             <a:r>
@@ -5135,7 +5125,7 @@
             <a:fld id="{D98A2CEC-3088-437B-B321-33BEC7D93FCD}" type="datetime4">
               <a:rPr lang="en-GB" smtClean="0"/>
               <a:pPr/>
-              <a:t>21 February 2018</a:t>
+              <a:t>01 March 2018</a:t>
             </a:fld>
             <a:endParaRPr lang="en-GB" dirty="0"/>
           </a:p>
@@ -5317,7 +5307,7 @@
           <a:p>
             <a:fld id="{6096F0BA-ECEE-44D1-ABE9-40C67B221300}" type="datetime4">
               <a:rPr lang="en-GB" smtClean="0"/>
-              <a:t>21 February 2018</a:t>
+              <a:t>01 March 2018</a:t>
             </a:fld>
             <a:endParaRPr lang="en-GB" dirty="0"/>
           </a:p>
@@ -5497,7 +5487,7 @@
             <a:fld id="{014A5046-EA5E-455B-A3BC-352818629394}" type="datetime4">
               <a:rPr lang="en-GB" smtClean="0"/>
               <a:pPr/>
-              <a:t>21 February 2018</a:t>
+              <a:t>01 March 2018</a:t>
             </a:fld>
             <a:endParaRPr lang="en-GB" dirty="0"/>
           </a:p>
@@ -5667,7 +5657,7 @@
           <a:p>
             <a:fld id="{54BE1DED-F17D-40BA-964F-A1C8DEDCEF61}" type="datetime4">
               <a:rPr lang="en-GB" smtClean="0"/>
-              <a:t>21 February 2018</a:t>
+              <a:t>01 March 2018</a:t>
             </a:fld>
             <a:endParaRPr lang="en-GB" dirty="0"/>
           </a:p>
@@ -5706,6 +5696,13 @@
   <p:clrMapOvr>
     <a:masterClrMapping/>
   </p:clrMapOvr>
+  <p:timing>
+    <p:tnLst>
+      <p:par>
+        <p:cTn id="1" dur="indefinite" restart="never" nodeType="tmRoot"/>
+      </p:par>
+    </p:tnLst>
+  </p:timing>
 </p:sld>
 </file>
 
@@ -5770,7 +5767,7 @@
           <a:p>
             <a:fld id="{54BE1DED-F17D-40BA-964F-A1C8DEDCEF61}" type="datetime4">
               <a:rPr lang="en-GB" smtClean="0"/>
-              <a:t>21 February 2018</a:t>
+              <a:t>01 March 2018</a:t>
             </a:fld>
             <a:endParaRPr lang="en-GB" dirty="0"/>
           </a:p>
@@ -5807,7 +5804,7 @@
         </p:nvSpPr>
         <p:spPr>
           <a:xfrm>
-            <a:off x="4297680" y="1675701"/>
+            <a:off x="5367063" y="2534911"/>
             <a:ext cx="2217420" cy="1911556"/>
           </a:xfrm>
           <a:prstGeom prst="rect">
@@ -5860,15 +5857,7 @@
                   <a:schemeClr val="tx1"/>
                 </a:solidFill>
               </a:rPr>
-              <a:t>Processing </a:t>
-            </a:r>
-            <a:r>
-              <a:rPr lang="en-US" sz="1100" dirty="0" smtClean="0">
-                <a:solidFill>
-                  <a:schemeClr val="tx1"/>
-                </a:solidFill>
-              </a:rPr>
-              <a:t>Engine</a:t>
+              <a:t>Processing Engine</a:t>
             </a:r>
             <a:endParaRPr lang="en-US" sz="1100" dirty="0">
               <a:solidFill>
@@ -5886,7 +5875,7 @@
         </p:nvSpPr>
         <p:spPr>
           <a:xfrm rot="16200000">
-            <a:off x="6349571" y="1947788"/>
+            <a:off x="7418954" y="2806998"/>
             <a:ext cx="940658" cy="426720"/>
           </a:xfrm>
           <a:prstGeom prst="roundRect">
@@ -5933,7 +5922,7 @@
         </p:nvSpPr>
         <p:spPr>
           <a:xfrm>
-            <a:off x="4297680" y="1111581"/>
+            <a:off x="5367063" y="1970791"/>
             <a:ext cx="2217420" cy="426720"/>
           </a:xfrm>
           <a:prstGeom prst="roundRect">
@@ -5980,7 +5969,7 @@
         </p:nvSpPr>
         <p:spPr>
           <a:xfrm>
-            <a:off x="4361388" y="3724657"/>
+            <a:off x="5430771" y="4583867"/>
             <a:ext cx="2153712" cy="426720"/>
           </a:xfrm>
           <a:prstGeom prst="roundRect">
@@ -6027,7 +6016,7 @@
         </p:nvSpPr>
         <p:spPr>
           <a:xfrm rot="16200000">
-            <a:off x="2959950" y="2418119"/>
+            <a:off x="4029333" y="3277329"/>
             <a:ext cx="1911556" cy="426720"/>
           </a:xfrm>
           <a:prstGeom prst="roundRect">
@@ -6074,7 +6063,7 @@
         </p:nvSpPr>
         <p:spPr>
           <a:xfrm rot="16200000">
-            <a:off x="3015279" y="1839819"/>
+            <a:off x="4084662" y="2699029"/>
             <a:ext cx="770440" cy="472441"/>
           </a:xfrm>
           <a:prstGeom prst="roundRect">
@@ -6121,7 +6110,7 @@
         </p:nvSpPr>
         <p:spPr>
           <a:xfrm rot="16200000">
-            <a:off x="2918094" y="2877663"/>
+            <a:off x="3987477" y="3736873"/>
             <a:ext cx="946165" cy="453794"/>
           </a:xfrm>
           <a:prstGeom prst="roundRect">
@@ -6168,7 +6157,7 @@
         </p:nvSpPr>
         <p:spPr>
           <a:xfrm rot="16200000">
-            <a:off x="6435090" y="2950896"/>
+            <a:off x="7504473" y="3810106"/>
             <a:ext cx="769620" cy="426720"/>
           </a:xfrm>
           <a:prstGeom prst="roundRect">
@@ -6230,7 +6219,7 @@
         </p:blipFill>
         <p:spPr bwMode="auto">
           <a:xfrm>
-            <a:off x="1733111" y="1637310"/>
+            <a:off x="2314111" y="2435821"/>
             <a:ext cx="998855" cy="998855"/>
           </a:xfrm>
           <a:prstGeom prst="rect">
@@ -6271,7 +6260,7 @@
         </p:blipFill>
         <p:spPr bwMode="auto">
           <a:xfrm>
-            <a:off x="7322820" y="2861692"/>
+            <a:off x="8681653" y="3591982"/>
             <a:ext cx="862965" cy="862965"/>
           </a:xfrm>
           <a:prstGeom prst="rect">
@@ -6312,7 +6301,7 @@
         </p:blipFill>
         <p:spPr bwMode="auto">
           <a:xfrm>
-            <a:off x="7452116" y="4043361"/>
+            <a:off x="8746300" y="4766600"/>
             <a:ext cx="733669" cy="846001"/>
           </a:xfrm>
           <a:prstGeom prst="rect">
@@ -6353,7 +6342,7 @@
         </p:blipFill>
         <p:spPr bwMode="auto">
           <a:xfrm>
-            <a:off x="7401559" y="1837503"/>
+            <a:off x="8735842" y="2662685"/>
             <a:ext cx="705485" cy="705485"/>
           </a:xfrm>
           <a:prstGeom prst="rect">
@@ -6394,7 +6383,7 @@
         </p:blipFill>
         <p:spPr bwMode="auto">
           <a:xfrm>
-            <a:off x="7319009" y="629701"/>
+            <a:off x="8694566" y="1381090"/>
             <a:ext cx="788035" cy="788035"/>
           </a:xfrm>
           <a:prstGeom prst="rect">
@@ -6423,13 +6412,13 @@
         </p:nvCxnSpPr>
         <p:spPr>
           <a:xfrm rot="16200000" flipH="1">
-            <a:off x="6287688" y="3301933"/>
-            <a:ext cx="314985" cy="2013872"/>
+            <a:off x="7537456" y="3980757"/>
+            <a:ext cx="179014" cy="2238673"/>
           </a:xfrm>
           <a:prstGeom prst="bentConnector2">
             <a:avLst/>
           </a:prstGeom>
-          <a:ln>
+          <a:ln w="19050">
             <a:tailEnd type="triangle"/>
           </a:ln>
         </p:spPr>
@@ -6458,14 +6447,14 @@
           <p:nvPr/>
         </p:nvCxnSpPr>
         <p:spPr>
-          <a:xfrm>
-            <a:off x="7033260" y="3164256"/>
-            <a:ext cx="289560" cy="128919"/>
+          <a:xfrm flipV="1">
+            <a:off x="8102643" y="4023465"/>
+            <a:ext cx="579010" cy="1"/>
           </a:xfrm>
           <a:prstGeom prst="bentConnector3">
             <a:avLst/>
           </a:prstGeom>
-          <a:ln>
+          <a:ln w="19050">
             <a:tailEnd type="triangle"/>
           </a:ln>
         </p:spPr>
@@ -6494,14 +6483,14 @@
           <p:nvPr/>
         </p:nvCxnSpPr>
         <p:spPr>
-          <a:xfrm>
-            <a:off x="7033260" y="2161148"/>
-            <a:ext cx="368299" cy="29098"/>
+          <a:xfrm flipV="1">
+            <a:off x="8102643" y="3015428"/>
+            <a:ext cx="633199" cy="4930"/>
           </a:xfrm>
           <a:prstGeom prst="bentConnector3">
             <a:avLst/>
           </a:prstGeom>
-          <a:ln>
+          <a:ln w="19050">
             <a:tailEnd type="triangle"/>
           </a:ln>
         </p:spPr>
@@ -6531,13 +6520,13 @@
         </p:nvCxnSpPr>
         <p:spPr>
           <a:xfrm rot="5400000" flipH="1" flipV="1">
-            <a:off x="6318768" y="111341"/>
-            <a:ext cx="87862" cy="1912619"/>
+            <a:off x="7487328" y="763554"/>
+            <a:ext cx="195683" cy="2218793"/>
           </a:xfrm>
           <a:prstGeom prst="bentConnector2">
             <a:avLst/>
           </a:prstGeom>
-          <a:ln>
+          <a:ln w="19050">
             <a:tailEnd type="triangle"/>
           </a:ln>
         </p:spPr>
@@ -6579,7 +6568,7 @@
         </p:blipFill>
         <p:spPr bwMode="auto">
           <a:xfrm>
-            <a:off x="1182224" y="3577643"/>
+            <a:off x="2251607" y="4436853"/>
             <a:ext cx="1496854" cy="997903"/>
           </a:xfrm>
           <a:prstGeom prst="rect">
@@ -6608,13 +6597,13 @@
         </p:nvCxnSpPr>
         <p:spPr>
           <a:xfrm rot="5400000" flipH="1" flipV="1">
-            <a:off x="2310924" y="2724288"/>
+            <a:off x="3380307" y="3583498"/>
             <a:ext cx="473083" cy="1233629"/>
           </a:xfrm>
           <a:prstGeom prst="bentConnector2">
             <a:avLst/>
           </a:prstGeom>
-          <a:ln>
+          <a:ln w="19050">
             <a:tailEnd type="triangle"/>
           </a:ln>
         </p:spPr>
@@ -6643,14 +6632,14 @@
           <p:nvPr/>
         </p:nvCxnSpPr>
         <p:spPr>
-          <a:xfrm flipV="1">
-            <a:off x="2731966" y="2076040"/>
-            <a:ext cx="432313" cy="60698"/>
+          <a:xfrm>
+            <a:off x="3312966" y="2935249"/>
+            <a:ext cx="920696" cy="1"/>
           </a:xfrm>
           <a:prstGeom prst="bentConnector3">
             <a:avLst/>
           </a:prstGeom>
-          <a:ln>
+          <a:ln w="19050">
             <a:tailEnd type="triangle"/>
           </a:ln>
         </p:spPr>
@@ -6679,6 +6668,13 @@
   <p:clrMapOvr>
     <a:masterClrMapping/>
   </p:clrMapOvr>
+  <p:timing>
+    <p:tnLst>
+      <p:par>
+        <p:cTn id="1" dur="indefinite" restart="never" nodeType="tmRoot"/>
+      </p:par>
+    </p:tnLst>
+  </p:timing>
 </p:sld>
 </file>
 
@@ -6740,7 +6736,7 @@
             <a:fld id="{BC3F1638-3586-4527-A760-38AC15BFC248}" type="datetime4">
               <a:rPr lang="en-GB" smtClean="0"/>
               <a:pPr/>
-              <a:t>21 February 2018</a:t>
+              <a:t>01 March 2018</a:t>
             </a:fld>
             <a:endParaRPr lang="en-GB" dirty="0"/>
           </a:p>
@@ -6785,8 +6781,8 @@
         </p:blipFill>
         <p:spPr>
           <a:xfrm>
-            <a:off x="2256609" y="1167395"/>
-            <a:ext cx="5747657" cy="5007951"/>
+            <a:off x="2813539" y="968046"/>
+            <a:ext cx="6578561" cy="5731921"/>
           </a:xfrm>
           <a:prstGeom prst="rect">
             <a:avLst/>
@@ -6887,7 +6883,7 @@
             <a:fld id="{BC3F1638-3586-4527-A760-38AC15BFC248}" type="datetime4">
               <a:rPr lang="en-GB" smtClean="0"/>
               <a:pPr/>
-              <a:t>21 February 2018</a:t>
+              <a:t>01 March 2018</a:t>
             </a:fld>
             <a:endParaRPr lang="en-GB" dirty="0"/>
           </a:p>
@@ -7032,12 +7028,6 @@
               </a:rPr>
               <a:t>Reporting</a:t>
             </a:r>
-            <a:endParaRPr lang="en-US" b="1" dirty="0" smtClean="0">
-              <a:solidFill>
-                <a:schemeClr val="accent2"/>
-              </a:solidFill>
-              <a:latin typeface="Courier" pitchFamily="49" charset="0"/>
-            </a:endParaRPr>
           </a:p>
           <a:p>
             <a:pPr marL="411163" indent="-411163">
@@ -7236,17 +7226,80 @@
         </p:nvSpPr>
         <p:spPr>
           <a:xfrm>
-            <a:off x="1345546" y="1382222"/>
-            <a:ext cx="7265794" cy="3464986"/>
+            <a:off x="1123603" y="1392313"/>
+            <a:ext cx="9174493" cy="3712350"/>
           </a:xfrm>
           <a:prstGeom prst="rect">
             <a:avLst/>
           </a:prstGeom>
           <a:solidFill>
-            <a:srgbClr val="00B0F0"/>
+            <a:schemeClr val="bg2"/>
           </a:solidFill>
           <a:ln>
-            <a:noFill/>
+            <a:solidFill>
+              <a:schemeClr val="accent2">
+                <a:lumMod val="40000"/>
+                <a:lumOff val="60000"/>
+                <a:alpha val="44000"/>
+              </a:schemeClr>
+            </a:solidFill>
+          </a:ln>
+        </p:spPr>
+        <p:txBody>
+          <a:bodyPr wrap="square" lIns="0" tIns="0" rIns="0" bIns="0" rtlCol="1" anchor="t">
+            <a:noAutofit/>
+          </a:bodyPr>
+          <a:lstStyle/>
+          <a:p>
+            <a:pPr algn="ctr"/>
+            <a:endParaRPr lang="en-US" sz="1000" dirty="0" smtClean="0"/>
+          </a:p>
+          <a:p>
+            <a:pPr algn="ctr"/>
+            <a:r>
+              <a:rPr lang="en-US" sz="2400" b="1" dirty="0" smtClean="0">
+                <a:solidFill>
+                  <a:schemeClr val="accent2"/>
+                </a:solidFill>
+                <a:latin typeface="Candara" panose="020E0502030303020204" pitchFamily="34" charset="0"/>
+              </a:rPr>
+              <a:t>GPP SP</a:t>
+            </a:r>
+            <a:endParaRPr lang="en-US" sz="2400" b="1" dirty="0">
+              <a:solidFill>
+                <a:schemeClr val="accent2"/>
+              </a:solidFill>
+              <a:latin typeface="Candara" panose="020E0502030303020204" pitchFamily="34" charset="0"/>
+            </a:endParaRPr>
+          </a:p>
+        </p:txBody>
+      </p:sp>
+      <p:sp>
+        <p:nvSpPr>
+          <p:cNvPr id="12" name="Rectangle 11"/>
+          <p:cNvSpPr/>
+          <p:nvPr/>
+        </p:nvSpPr>
+        <p:spPr>
+          <a:xfrm>
+            <a:off x="6158572" y="3115585"/>
+            <a:ext cx="3935794" cy="1710396"/>
+          </a:xfrm>
+          <a:prstGeom prst="rect">
+            <a:avLst/>
+          </a:prstGeom>
+          <a:solidFill>
+            <a:schemeClr val="accent5">
+              <a:lumMod val="40000"/>
+              <a:lumOff val="60000"/>
+            </a:schemeClr>
+          </a:solidFill>
+          <a:ln>
+            <a:solidFill>
+              <a:schemeClr val="accent1">
+                <a:lumMod val="75000"/>
+              </a:schemeClr>
+            </a:solidFill>
           </a:ln>
         </p:spPr>
         <p:style>
@@ -7266,67 +7319,6 @@
           </a:fontRef>
         </p:style>
         <p:txBody>
-          <a:bodyPr rtlCol="0" anchor="t"/>
-          <a:lstStyle/>
-          <a:p>
-            <a:pPr algn="r"/>
-            <a:r>
-              <a:rPr lang="en-US" sz="3200" dirty="0" smtClean="0">
-                <a:solidFill>
-                  <a:schemeClr val="tx1"/>
-                </a:solidFill>
-              </a:rPr>
-              <a:t>GPP</a:t>
-            </a:r>
-            <a:endParaRPr lang="en-US" sz="3200" dirty="0">
-              <a:solidFill>
-                <a:schemeClr val="tx1"/>
-              </a:solidFill>
-            </a:endParaRPr>
-          </a:p>
-        </p:txBody>
-      </p:sp>
-      <p:sp>
-        <p:nvSpPr>
-          <p:cNvPr id="12" name="Rectangle 11"/>
-          <p:cNvSpPr/>
-          <p:nvPr/>
-        </p:nvSpPr>
-        <p:spPr>
-          <a:xfrm>
-            <a:off x="4500979" y="2700092"/>
-            <a:ext cx="3935794" cy="2005073"/>
-          </a:xfrm>
-          <a:prstGeom prst="rect">
-            <a:avLst/>
-          </a:prstGeom>
-          <a:solidFill>
-            <a:schemeClr val="accent6">
-              <a:lumMod val="60000"/>
-              <a:lumOff val="40000"/>
-            </a:schemeClr>
-          </a:solidFill>
-          <a:ln>
-            <a:noFill/>
-          </a:ln>
-        </p:spPr>
-        <p:style>
-          <a:lnRef idx="2">
-            <a:schemeClr val="accent1">
-              <a:shade val="50000"/>
-            </a:schemeClr>
-          </a:lnRef>
-          <a:fillRef idx="1">
-            <a:schemeClr val="accent1"/>
-          </a:fillRef>
-          <a:effectRef idx="0">
-            <a:schemeClr val="accent1"/>
-          </a:effectRef>
-          <a:fontRef idx="minor">
-            <a:schemeClr val="lt1"/>
-          </a:fontRef>
-        </p:style>
-        <p:txBody>
           <a:bodyPr rtlCol="0" anchor="b"/>
           <a:lstStyle/>
           <a:p>
@@ -7334,14 +7326,20 @@
             <a:r>
               <a:rPr lang="en-US" dirty="0" smtClean="0">
                 <a:solidFill>
-                  <a:schemeClr val="tx1"/>
+                  <a:schemeClr val="accent2">
+                    <a:lumMod val="20000"/>
+                    <a:lumOff val="80000"/>
+                  </a:schemeClr>
                 </a:solidFill>
               </a:rPr>
               <a:t>INTERFACE LAYER</a:t>
             </a:r>
             <a:endParaRPr lang="en-US" dirty="0">
               <a:solidFill>
-                <a:schemeClr val="tx1"/>
+                <a:schemeClr val="accent2">
+                  <a:lumMod val="20000"/>
+                  <a:lumOff val="80000"/>
+                </a:schemeClr>
               </a:solidFill>
             </a:endParaRPr>
           </a:p>
@@ -7392,7 +7390,7 @@
             <a:fld id="{BC3F1638-3586-4527-A760-38AC15BFC248}" type="datetime4">
               <a:rPr lang="en-GB" smtClean="0"/>
               <a:pPr/>
-              <a:t>21 February 2018</a:t>
+              <a:t>01 March 2018</a:t>
             </a:fld>
             <a:endParaRPr lang="en-GB" dirty="0"/>
           </a:p>
@@ -7424,50 +7422,90 @@
       </p:sp>
       <p:sp>
         <p:nvSpPr>
-          <p:cNvPr id="4" name="TextBox 3"/>
-          <p:cNvSpPr txBox="1"/>
-          <p:nvPr/>
-        </p:nvSpPr>
-        <p:spPr>
-          <a:xfrm>
-            <a:off x="1630837" y="1432874"/>
-            <a:ext cx="2573518" cy="226244"/>
-          </a:xfrm>
-          <a:prstGeom prst="rect">
-            <a:avLst/>
-          </a:prstGeom>
-          <a:noFill/>
-        </p:spPr>
-        <p:txBody>
-          <a:bodyPr wrap="square" lIns="0" tIns="0" rIns="0" bIns="0" rtlCol="1">
-            <a:noAutofit/>
-          </a:bodyPr>
-          <a:lstStyle/>
-          <a:p>
-            <a:endParaRPr lang="he-IL" dirty="0" err="1" smtClean="0">
-              <a:solidFill>
-                <a:schemeClr val="tx2"/>
-              </a:solidFill>
-            </a:endParaRPr>
-          </a:p>
-        </p:txBody>
-      </p:sp>
-      <p:sp>
-        <p:nvSpPr>
           <p:cNvPr id="2" name="Rounded Rectangle 1"/>
           <p:cNvSpPr/>
           <p:nvPr/>
         </p:nvSpPr>
         <p:spPr>
           <a:xfrm>
-            <a:off x="1970843" y="1811044"/>
-            <a:ext cx="2530136" cy="2654424"/>
+            <a:off x="1688904" y="2080466"/>
+            <a:ext cx="2694012" cy="2779214"/>
+          </a:xfrm>
+          <a:prstGeom prst="roundRect">
+            <a:avLst>
+              <a:gd name="adj" fmla="val 7075"/>
+            </a:avLst>
+          </a:prstGeom>
+          <a:solidFill>
+            <a:schemeClr val="accent2"/>
+          </a:solidFill>
+          <a:ln>
+            <a:solidFill>
+              <a:schemeClr val="accent1"/>
+            </a:solidFill>
+          </a:ln>
+        </p:spPr>
+        <p:txBody>
+          <a:bodyPr wrap="square" lIns="0" tIns="0" rIns="0" bIns="0" rtlCol="1" anchor="ctr">
+            <a:noAutofit/>
+          </a:bodyPr>
+          <a:lstStyle/>
+          <a:p>
+            <a:pPr algn="ctr"/>
+            <a:r>
+              <a:rPr lang="en-US" dirty="0">
+                <a:solidFill>
+                  <a:schemeClr val="bg1"/>
+                </a:solidFill>
+              </a:rPr>
+              <a:t>Payment Flow</a:t>
+            </a:r>
+          </a:p>
+          <a:p>
+            <a:pPr algn="ctr"/>
+            <a:r>
+              <a:rPr lang="en-US" dirty="0" smtClean="0">
+                <a:solidFill>
+                  <a:schemeClr val="bg1"/>
+                </a:solidFill>
+              </a:rPr>
+              <a:t>Engine</a:t>
+            </a:r>
+          </a:p>
+          <a:p>
+            <a:pPr algn="ctr"/>
+            <a:r>
+              <a:rPr lang="en-US" sz="1400" dirty="0" smtClean="0">
+                <a:solidFill>
+                  <a:schemeClr val="bg1"/>
+                </a:solidFill>
+              </a:rPr>
+              <a:t>(interfaces exit points)</a:t>
+            </a:r>
+            <a:endParaRPr lang="en-US" sz="1400" dirty="0">
+              <a:solidFill>
+                <a:schemeClr val="bg1"/>
+              </a:solidFill>
+            </a:endParaRPr>
+          </a:p>
+        </p:txBody>
+      </p:sp>
+      <p:sp>
+        <p:nvSpPr>
+          <p:cNvPr id="3" name="Rounded Rectangle 2"/>
+          <p:cNvSpPr/>
+          <p:nvPr/>
+        </p:nvSpPr>
+        <p:spPr>
+          <a:xfrm rot="5400000">
+            <a:off x="7666375" y="572663"/>
+            <a:ext cx="920188" cy="3935794"/>
           </a:xfrm>
           <a:prstGeom prst="roundRect">
             <a:avLst/>
           </a:prstGeom>
           <a:solidFill>
-            <a:schemeClr val="accent5">
+            <a:schemeClr val="accent2">
               <a:lumMod val="75000"/>
             </a:schemeClr>
           </a:solidFill>
@@ -7492,70 +7530,40 @@
           </a:fontRef>
         </p:style>
         <p:txBody>
-          <a:bodyPr rtlCol="0" anchor="ctr"/>
+          <a:bodyPr vert="vert270" rtlCol="0" anchor="ctr"/>
           <a:lstStyle/>
           <a:p>
             <a:pPr algn="ctr"/>
             <a:r>
               <a:rPr lang="en-US" dirty="0" smtClean="0"/>
-              <a:t>Payment Flow</a:t>
-            </a:r>
-          </a:p>
-          <a:p>
-            <a:pPr algn="ctr"/>
+              <a:t>Rule </a:t>
+            </a:r>
             <a:r>
               <a:rPr lang="en-US" dirty="0" smtClean="0"/>
               <a:t>Engine</a:t>
             </a:r>
-            <a:endParaRPr lang="en-US" dirty="0"/>
-          </a:p>
-        </p:txBody>
-      </p:sp>
-      <p:sp>
-        <p:nvSpPr>
-          <p:cNvPr id="3" name="Rounded Rectangle 2"/>
-          <p:cNvSpPr/>
-          <p:nvPr/>
-        </p:nvSpPr>
-        <p:spPr>
-          <a:xfrm rot="5400000">
-            <a:off x="4289399" y="1420223"/>
-            <a:ext cx="609590" cy="1802167"/>
-          </a:xfrm>
-          <a:prstGeom prst="roundRect">
-            <a:avLst/>
-          </a:prstGeom>
-          <a:solidFill>
-            <a:srgbClr val="92D050"/>
-          </a:solidFill>
-          <a:ln>
-            <a:noFill/>
-          </a:ln>
-        </p:spPr>
-        <p:style>
-          <a:lnRef idx="2">
-            <a:schemeClr val="accent1">
-              <a:shade val="50000"/>
-            </a:schemeClr>
-          </a:lnRef>
-          <a:fillRef idx="1">
-            <a:schemeClr val="accent1"/>
-          </a:fillRef>
-          <a:effectRef idx="0">
-            <a:schemeClr val="accent1"/>
-          </a:effectRef>
-          <a:fontRef idx="minor">
-            <a:schemeClr val="lt1"/>
-          </a:fontRef>
-        </p:style>
-        <p:txBody>
-          <a:bodyPr vert="vert270" rtlCol="0" anchor="ctr"/>
-          <a:lstStyle/>
+          </a:p>
           <a:p>
             <a:pPr algn="ctr"/>
             <a:r>
               <a:rPr lang="en-US" dirty="0" smtClean="0"/>
-              <a:t>Rule Engine</a:t>
+              <a:t>(</a:t>
+            </a:r>
+            <a:r>
+              <a:rPr lang="en-US" sz="1400" dirty="0" smtClean="0"/>
+              <a:t>interface</a:t>
+            </a:r>
+            <a:r>
+              <a:rPr lang="en-US" dirty="0" smtClean="0"/>
+              <a:t> </a:t>
+            </a:r>
+            <a:r>
+              <a:rPr lang="en-US" sz="1400" dirty="0" smtClean="0"/>
+              <a:t>selection</a:t>
+            </a:r>
+            <a:r>
+              <a:rPr lang="en-US" dirty="0" smtClean="0"/>
+              <a:t>)</a:t>
             </a:r>
             <a:endParaRPr lang="en-US" dirty="0"/>
           </a:p>
@@ -7569,8 +7577,8 @@
         </p:nvSpPr>
         <p:spPr>
           <a:xfrm>
-            <a:off x="4500979" y="2932939"/>
-            <a:ext cx="3935794" cy="452762"/>
+            <a:off x="6358088" y="3272922"/>
+            <a:ext cx="3505643" cy="452762"/>
           </a:xfrm>
           <a:prstGeom prst="roundRect">
             <a:avLst/>
@@ -7616,7 +7624,7 @@
         </p:nvSpPr>
         <p:spPr>
           <a:xfrm>
-            <a:off x="4500979" y="3707328"/>
+            <a:off x="6246810" y="4221588"/>
             <a:ext cx="1047565" cy="450880"/>
           </a:xfrm>
           <a:prstGeom prst="roundRect">
@@ -7663,7 +7671,7 @@
         </p:nvSpPr>
         <p:spPr>
           <a:xfrm>
-            <a:off x="7332953" y="3707328"/>
+            <a:off x="8956906" y="4152217"/>
             <a:ext cx="1103818" cy="495269"/>
           </a:xfrm>
           <a:prstGeom prst="roundRect">
@@ -7710,8 +7718,8 @@
         </p:nvSpPr>
         <p:spPr>
           <a:xfrm>
-            <a:off x="5899937" y="3707328"/>
-            <a:ext cx="1081623" cy="425529"/>
+            <a:off x="7569892" y="4187088"/>
+            <a:ext cx="1081623" cy="460029"/>
           </a:xfrm>
           <a:prstGeom prst="roundRect">
             <a:avLst/>
@@ -7749,116 +7757,6 @@
           </a:p>
         </p:txBody>
       </p:sp>
-      <p:cxnSp>
-        <p:nvCxnSpPr>
-          <p:cNvPr id="15" name="Straight Arrow Connector 14"/>
-          <p:cNvCxnSpPr>
-            <a:stCxn id="9" idx="0"/>
-            <a:endCxn id="8" idx="2"/>
-          </p:cNvCxnSpPr>
-          <p:nvPr/>
-        </p:nvCxnSpPr>
-        <p:spPr>
-          <a:xfrm flipV="1">
-            <a:off x="5024762" y="3385701"/>
-            <a:ext cx="1444114" cy="321627"/>
-          </a:xfrm>
-          <a:prstGeom prst="straightConnector1">
-            <a:avLst/>
-          </a:prstGeom>
-          <a:ln>
-            <a:headEnd type="triangle"/>
-            <a:tailEnd type="triangle"/>
-          </a:ln>
-        </p:spPr>
-        <p:style>
-          <a:lnRef idx="1">
-            <a:schemeClr val="accent1"/>
-          </a:lnRef>
-          <a:fillRef idx="0">
-            <a:schemeClr val="accent1"/>
-          </a:fillRef>
-          <a:effectRef idx="0">
-            <a:schemeClr val="accent1"/>
-          </a:effectRef>
-          <a:fontRef idx="minor">
-            <a:schemeClr val="tx1"/>
-          </a:fontRef>
-        </p:style>
-      </p:cxnSp>
-      <p:cxnSp>
-        <p:nvCxnSpPr>
-          <p:cNvPr id="17" name="Straight Arrow Connector 16"/>
-          <p:cNvCxnSpPr>
-            <a:endCxn id="13" idx="0"/>
-          </p:cNvCxnSpPr>
-          <p:nvPr/>
-        </p:nvCxnSpPr>
-        <p:spPr>
-          <a:xfrm flipH="1">
-            <a:off x="6440749" y="3385701"/>
-            <a:ext cx="28127" cy="321627"/>
-          </a:xfrm>
-          <a:prstGeom prst="straightConnector1">
-            <a:avLst/>
-          </a:prstGeom>
-          <a:ln>
-            <a:headEnd type="triangle"/>
-            <a:tailEnd type="triangle"/>
-          </a:ln>
-        </p:spPr>
-        <p:style>
-          <a:lnRef idx="1">
-            <a:schemeClr val="accent1"/>
-          </a:lnRef>
-          <a:fillRef idx="0">
-            <a:schemeClr val="accent1"/>
-          </a:fillRef>
-          <a:effectRef idx="0">
-            <a:schemeClr val="accent1"/>
-          </a:effectRef>
-          <a:fontRef idx="minor">
-            <a:schemeClr val="tx1"/>
-          </a:fontRef>
-        </p:style>
-      </p:cxnSp>
-      <p:cxnSp>
-        <p:nvCxnSpPr>
-          <p:cNvPr id="19" name="Straight Arrow Connector 18"/>
-          <p:cNvCxnSpPr>
-            <a:stCxn id="8" idx="2"/>
-            <a:endCxn id="10" idx="0"/>
-          </p:cNvCxnSpPr>
-          <p:nvPr/>
-        </p:nvCxnSpPr>
-        <p:spPr>
-          <a:xfrm>
-            <a:off x="6468876" y="3385701"/>
-            <a:ext cx="1415986" cy="321627"/>
-          </a:xfrm>
-          <a:prstGeom prst="straightConnector1">
-            <a:avLst/>
-          </a:prstGeom>
-          <a:ln>
-            <a:headEnd type="triangle"/>
-            <a:tailEnd type="triangle"/>
-          </a:ln>
-        </p:spPr>
-        <p:style>
-          <a:lnRef idx="1">
-            <a:schemeClr val="accent1"/>
-          </a:lnRef>
-          <a:fillRef idx="0">
-            <a:schemeClr val="accent1"/>
-          </a:fillRef>
-          <a:effectRef idx="0">
-            <a:schemeClr val="accent1"/>
-          </a:effectRef>
-          <a:fontRef idx="minor">
-            <a:schemeClr val="tx1"/>
-          </a:fontRef>
-        </p:style>
-      </p:cxnSp>
       <p:pic>
         <p:nvPicPr>
           <p:cNvPr id="1026" name="Picture 2" descr="Image result for SERVER icon"/>
@@ -7882,7 +7780,7 @@
         </p:blipFill>
         <p:spPr bwMode="auto">
           <a:xfrm>
-            <a:off x="6001100" y="4924865"/>
+            <a:off x="7671055" y="5173221"/>
             <a:ext cx="879295" cy="879295"/>
           </a:xfrm>
           <a:prstGeom prst="rect">
@@ -7923,7 +7821,7 @@
         </p:blipFill>
         <p:spPr bwMode="auto">
           <a:xfrm>
-            <a:off x="4511352" y="4949467"/>
+            <a:off x="6246810" y="5395460"/>
             <a:ext cx="1026817" cy="547233"/>
           </a:xfrm>
           <a:prstGeom prst="rect">
@@ -7964,7 +7862,7 @@
         </p:blipFill>
         <p:spPr bwMode="auto">
           <a:xfrm>
-            <a:off x="7371453" y="4949466"/>
+            <a:off x="8995406" y="5395459"/>
             <a:ext cx="1026817" cy="547233"/>
           </a:xfrm>
           <a:prstGeom prst="rect">
@@ -8005,7 +7903,7 @@
         </p:blipFill>
         <p:spPr bwMode="auto">
           <a:xfrm>
-            <a:off x="9328978" y="3435367"/>
+            <a:off x="10983363" y="3893572"/>
             <a:ext cx="709782" cy="1012557"/>
           </a:xfrm>
           <a:prstGeom prst="rect">
@@ -8034,14 +7932,13 @@
         </p:nvCxnSpPr>
         <p:spPr>
           <a:xfrm flipV="1">
-            <a:off x="8436771" y="3941646"/>
-            <a:ext cx="892207" cy="13317"/>
+            <a:off x="10060724" y="4399851"/>
+            <a:ext cx="922639" cy="1"/>
           </a:xfrm>
           <a:prstGeom prst="straightConnector1">
             <a:avLst/>
           </a:prstGeom>
-          <a:ln>
-            <a:headEnd type="triangle"/>
+          <a:ln w="19050">
             <a:tailEnd type="triangle"/>
           </a:ln>
         </p:spPr>
@@ -8071,13 +7968,13 @@
         </p:nvCxnSpPr>
         <p:spPr>
           <a:xfrm flipH="1">
-            <a:off x="5024761" y="4158208"/>
-            <a:ext cx="1" cy="791259"/>
+            <a:off x="6760219" y="4672468"/>
+            <a:ext cx="10374" cy="722992"/>
           </a:xfrm>
           <a:prstGeom prst="straightConnector1">
             <a:avLst/>
           </a:prstGeom>
-          <a:ln>
+          <a:ln w="19050">
             <a:tailEnd type="triangle"/>
           </a:ln>
         </p:spPr>
@@ -8107,13 +8004,13 @@
         </p:nvCxnSpPr>
         <p:spPr>
           <a:xfrm flipH="1">
-            <a:off x="6440748" y="4132857"/>
-            <a:ext cx="1" cy="792008"/>
+            <a:off x="8110703" y="4647117"/>
+            <a:ext cx="1" cy="526104"/>
           </a:xfrm>
           <a:prstGeom prst="straightConnector1">
             <a:avLst/>
           </a:prstGeom>
-          <a:ln>
+          <a:ln w="19050">
             <a:tailEnd type="triangle"/>
           </a:ln>
         </p:spPr>
@@ -8143,13 +8040,13 @@
         </p:nvCxnSpPr>
         <p:spPr>
           <a:xfrm>
-            <a:off x="7884862" y="4202597"/>
-            <a:ext cx="0" cy="746869"/>
+            <a:off x="9508815" y="4647486"/>
+            <a:ext cx="0" cy="747973"/>
           </a:xfrm>
           <a:prstGeom prst="straightConnector1">
             <a:avLst/>
           </a:prstGeom>
-          <a:ln>
+          <a:ln w="19050">
             <a:tailEnd type="triangle"/>
           </a:ln>
         </p:spPr>
@@ -8168,6 +8065,296 @@
           </a:fontRef>
         </p:style>
       </p:cxnSp>
+      <p:cxnSp>
+        <p:nvCxnSpPr>
+          <p:cNvPr id="1035" name="Elbow Connector 1034"/>
+          <p:cNvCxnSpPr>
+            <a:stCxn id="8" idx="2"/>
+            <a:endCxn id="9" idx="0"/>
+          </p:cNvCxnSpPr>
+          <p:nvPr/>
+        </p:nvCxnSpPr>
+        <p:spPr>
+          <a:xfrm rot="5400000">
+            <a:off x="7192800" y="3303478"/>
+            <a:ext cx="495904" cy="1340317"/>
+          </a:xfrm>
+          <a:prstGeom prst="bentConnector3">
+            <a:avLst>
+              <a:gd name="adj1" fmla="val 50000"/>
+            </a:avLst>
+          </a:prstGeom>
+          <a:ln w="19050">
+            <a:tailEnd type="triangle"/>
+          </a:ln>
+        </p:spPr>
+        <p:style>
+          <a:lnRef idx="1">
+            <a:schemeClr val="accent1"/>
+          </a:lnRef>
+          <a:fillRef idx="0">
+            <a:schemeClr val="accent1"/>
+          </a:fillRef>
+          <a:effectRef idx="0">
+            <a:schemeClr val="accent1"/>
+          </a:effectRef>
+          <a:fontRef idx="minor">
+            <a:schemeClr val="tx1"/>
+          </a:fontRef>
+        </p:style>
+      </p:cxnSp>
+      <p:cxnSp>
+        <p:nvCxnSpPr>
+          <p:cNvPr id="1038" name="Elbow Connector 1037"/>
+          <p:cNvCxnSpPr>
+            <a:stCxn id="8" idx="2"/>
+            <a:endCxn id="13" idx="0"/>
+          </p:cNvCxnSpPr>
+          <p:nvPr/>
+        </p:nvCxnSpPr>
+        <p:spPr>
+          <a:xfrm rot="5400000">
+            <a:off x="7880105" y="3956283"/>
+            <a:ext cx="461404" cy="206"/>
+          </a:xfrm>
+          <a:prstGeom prst="bentConnector3">
+            <a:avLst/>
+          </a:prstGeom>
+          <a:ln w="19050">
+            <a:tailEnd type="triangle"/>
+          </a:ln>
+        </p:spPr>
+        <p:style>
+          <a:lnRef idx="1">
+            <a:schemeClr val="accent1"/>
+          </a:lnRef>
+          <a:fillRef idx="0">
+            <a:schemeClr val="accent1"/>
+          </a:fillRef>
+          <a:effectRef idx="0">
+            <a:schemeClr val="accent1"/>
+          </a:effectRef>
+          <a:fontRef idx="minor">
+            <a:schemeClr val="tx1"/>
+          </a:fontRef>
+        </p:style>
+      </p:cxnSp>
+      <p:cxnSp>
+        <p:nvCxnSpPr>
+          <p:cNvPr id="1041" name="Elbow Connector 1040"/>
+          <p:cNvCxnSpPr>
+            <a:stCxn id="8" idx="2"/>
+            <a:endCxn id="10" idx="0"/>
+          </p:cNvCxnSpPr>
+          <p:nvPr/>
+        </p:nvCxnSpPr>
+        <p:spPr>
+          <a:xfrm rot="16200000" flipH="1">
+            <a:off x="8596596" y="3239997"/>
+            <a:ext cx="426533" cy="1397905"/>
+          </a:xfrm>
+          <a:prstGeom prst="bentConnector3">
+            <a:avLst>
+              <a:gd name="adj1" fmla="val 56244"/>
+            </a:avLst>
+          </a:prstGeom>
+          <a:ln w="19050">
+            <a:tailEnd type="triangle"/>
+          </a:ln>
+        </p:spPr>
+        <p:style>
+          <a:lnRef idx="1">
+            <a:schemeClr val="accent1"/>
+          </a:lnRef>
+          <a:fillRef idx="0">
+            <a:schemeClr val="accent1"/>
+          </a:fillRef>
+          <a:effectRef idx="0">
+            <a:schemeClr val="accent1"/>
+          </a:effectRef>
+          <a:fontRef idx="minor">
+            <a:schemeClr val="tx1"/>
+          </a:fontRef>
+        </p:style>
+      </p:cxnSp>
+      <p:sp>
+        <p:nvSpPr>
+          <p:cNvPr id="1065" name="Right Arrow 1064"/>
+          <p:cNvSpPr/>
+          <p:nvPr/>
+        </p:nvSpPr>
+        <p:spPr>
+          <a:xfrm>
+            <a:off x="4535163" y="2399898"/>
+            <a:ext cx="1471162" cy="281324"/>
+          </a:xfrm>
+          <a:prstGeom prst="rightArrow">
+            <a:avLst/>
+          </a:prstGeom>
+          <a:ln>
+            <a:noFill/>
+          </a:ln>
+        </p:spPr>
+        <p:style>
+          <a:lnRef idx="2">
+            <a:schemeClr val="accent1">
+              <a:shade val="50000"/>
+            </a:schemeClr>
+          </a:lnRef>
+          <a:fillRef idx="1">
+            <a:schemeClr val="accent1"/>
+          </a:fillRef>
+          <a:effectRef idx="0">
+            <a:schemeClr val="accent1"/>
+          </a:effectRef>
+          <a:fontRef idx="minor">
+            <a:schemeClr val="lt1"/>
+          </a:fontRef>
+        </p:style>
+        <p:txBody>
+          <a:bodyPr rtlCol="0" anchor="ctr"/>
+          <a:lstStyle/>
+          <a:p>
+            <a:pPr algn="ctr"/>
+            <a:endParaRPr lang="en-US"/>
+          </a:p>
+        </p:txBody>
+      </p:sp>
+      <p:sp>
+        <p:nvSpPr>
+          <p:cNvPr id="74" name="Right Arrow 73"/>
+          <p:cNvSpPr/>
+          <p:nvPr/>
+        </p:nvSpPr>
+        <p:spPr>
+          <a:xfrm rot="10800000">
+            <a:off x="4492228" y="4323425"/>
+            <a:ext cx="1471162" cy="354434"/>
+          </a:xfrm>
+          <a:prstGeom prst="rightArrow">
+            <a:avLst/>
+          </a:prstGeom>
+          <a:ln>
+            <a:noFill/>
+          </a:ln>
+        </p:spPr>
+        <p:style>
+          <a:lnRef idx="2">
+            <a:schemeClr val="accent1">
+              <a:shade val="50000"/>
+            </a:schemeClr>
+          </a:lnRef>
+          <a:fillRef idx="1">
+            <a:schemeClr val="accent1"/>
+          </a:fillRef>
+          <a:effectRef idx="0">
+            <a:schemeClr val="accent1"/>
+          </a:effectRef>
+          <a:fontRef idx="minor">
+            <a:schemeClr val="lt1"/>
+          </a:fontRef>
+        </p:style>
+        <p:txBody>
+          <a:bodyPr rtlCol="0" anchor="ctr"/>
+          <a:lstStyle/>
+          <a:p>
+            <a:pPr algn="ctr"/>
+            <a:endParaRPr lang="en-US"/>
+          </a:p>
+        </p:txBody>
+      </p:sp>
+      <p:sp>
+        <p:nvSpPr>
+          <p:cNvPr id="1066" name="TextBox 1065"/>
+          <p:cNvSpPr txBox="1"/>
+          <p:nvPr/>
+        </p:nvSpPr>
+        <p:spPr>
+          <a:xfrm>
+            <a:off x="4653137" y="2193974"/>
+            <a:ext cx="1149342" cy="274731"/>
+          </a:xfrm>
+          <a:prstGeom prst="rect">
+            <a:avLst/>
+          </a:prstGeom>
+          <a:noFill/>
+        </p:spPr>
+        <p:txBody>
+          <a:bodyPr wrap="none" lIns="0" tIns="0" rIns="0" bIns="0" rtlCol="0">
+            <a:noAutofit/>
+          </a:bodyPr>
+          <a:lstStyle/>
+          <a:p>
+            <a:r>
+              <a:rPr lang="en-US" sz="1400" dirty="0">
+                <a:solidFill>
+                  <a:schemeClr val="accent2"/>
+                </a:solidFill>
+              </a:rPr>
+              <a:t>p</a:t>
+            </a:r>
+            <a:r>
+              <a:rPr lang="en-US" sz="1400" dirty="0" smtClean="0">
+                <a:solidFill>
+                  <a:schemeClr val="accent2"/>
+                </a:solidFill>
+              </a:rPr>
+              <a:t>ayment data  </a:t>
+            </a:r>
+            <a:endParaRPr lang="en-US" sz="1400" dirty="0" smtClean="0">
+              <a:solidFill>
+                <a:schemeClr val="accent2"/>
+              </a:solidFill>
+            </a:endParaRPr>
+          </a:p>
+        </p:txBody>
+      </p:sp>
+      <p:sp>
+        <p:nvSpPr>
+          <p:cNvPr id="76" name="TextBox 75"/>
+          <p:cNvSpPr txBox="1"/>
+          <p:nvPr/>
+        </p:nvSpPr>
+        <p:spPr>
+          <a:xfrm>
+            <a:off x="4733713" y="4125666"/>
+            <a:ext cx="1149342" cy="274731"/>
+          </a:xfrm>
+          <a:prstGeom prst="rect">
+            <a:avLst/>
+          </a:prstGeom>
+          <a:noFill/>
+        </p:spPr>
+        <p:txBody>
+          <a:bodyPr wrap="none" lIns="0" tIns="0" rIns="0" bIns="0" rtlCol="0">
+            <a:noAutofit/>
+          </a:bodyPr>
+          <a:lstStyle/>
+          <a:p>
+            <a:r>
+              <a:rPr lang="en-US" sz="1400" dirty="0" smtClean="0">
+                <a:solidFill>
+                  <a:schemeClr val="accent2"/>
+                </a:solidFill>
+              </a:rPr>
+              <a:t>response</a:t>
+            </a:r>
+            <a:r>
+              <a:rPr lang="en-US" sz="1400" dirty="0" smtClean="0">
+                <a:solidFill>
+                  <a:schemeClr val="accent2"/>
+                </a:solidFill>
+              </a:rPr>
+              <a:t> data  </a:t>
+            </a:r>
+            <a:endParaRPr lang="en-US" sz="1400" dirty="0" smtClean="0">
+              <a:solidFill>
+                <a:schemeClr val="accent2"/>
+              </a:solidFill>
+            </a:endParaRPr>
+          </a:p>
+        </p:txBody>
+      </p:sp>
     </p:spTree>
     <p:extLst>
       <p:ext uri="{BB962C8B-B14F-4D97-AF65-F5344CB8AC3E}">
@@ -8262,7 +8449,7 @@
             <a:fld id="{BC3F1638-3586-4527-A760-38AC15BFC248}" type="datetime4">
               <a:rPr lang="en-GB" smtClean="0"/>
               <a:pPr/>
-              <a:t>21 February 2018</a:t>
+              <a:t>01 March 2018</a:t>
             </a:fld>
             <a:endParaRPr lang="en-GB" dirty="0"/>
           </a:p>
@@ -9396,6 +9583,15 @@
 </file>
 
 <file path=customXml/item1.xml><?xml version="1.0" encoding="utf-8"?>
+<?mso-contentType ?>
+<FormTemplates xmlns="http://schemas.microsoft.com/sharepoint/v3/contenttype/forms">
+  <Display>DocumentLibraryForm</Display>
+  <Edit>DocumentLibraryForm</Edit>
+  <New>DocumentLibraryForm</New>
+</FormTemplates>
+</file>
+
+<file path=customXml/item2.xml><?xml version="1.0" encoding="utf-8"?>
 <ct:contentTypeSchema xmlns:ct="http://schemas.microsoft.com/office/2006/metadata/contentType" xmlns:ma="http://schemas.microsoft.com/office/2006/metadata/properties/metaAttributes" ct:_="" ma:_="" ma:contentTypeName="Document" ma:contentTypeID="0x0101009AFDA2510A45954CB46081864A6D864F" ma:contentTypeVersion="5" ma:contentTypeDescription="Create a new document." ma:contentTypeScope="" ma:versionID="5b475eef84496e2b7a4205b1d00d7d4c">
   <xsd:schema xmlns:xsd="http://www.w3.org/2001/XMLSchema" xmlns:xs="http://www.w3.org/2001/XMLSchema" xmlns:p="http://schemas.microsoft.com/office/2006/metadata/properties" xmlns:ns1="http://schemas.microsoft.com/sharepoint/v3" xmlns:ns2="1913475e-a030-45ec-9e8a-a2630205b38f" xmlns:ns3="0ae7057e-292f-4fd1-bead-5494e4c66c6d" targetNamespace="http://schemas.microsoft.com/office/2006/metadata/properties" ma:root="true" ma:fieldsID="85738e600c763465eda532a3d229a01a" ns1:_="" ns2:_="" ns3:_="">
     <xsd:import namespace="http://schemas.microsoft.com/sharepoint/v3"/>
@@ -9577,15 +9773,6 @@
 </ct:contentTypeSchema>
 </file>
 
-<file path=customXml/item2.xml><?xml version="1.0" encoding="utf-8"?>
-<?mso-contentType ?>
-<FormTemplates xmlns="http://schemas.microsoft.com/sharepoint/v3/contenttype/forms">
-  <Display>DocumentLibraryForm</Display>
-  <Edit>DocumentLibraryForm</Edit>
-  <New>DocumentLibraryForm</New>
-</FormTemplates>
-</file>
-
 <file path=customXml/item3.xml><?xml version="1.0" encoding="utf-8"?>
 <p:properties xmlns:p="http://schemas.microsoft.com/office/2006/metadata/properties" xmlns:xsi="http://www.w3.org/2001/XMLSchema-instance" xmlns:pc="http://schemas.microsoft.com/office/infopath/2007/PartnerControls">
   <documentManagement>
@@ -9596,6 +9783,14 @@
 </file>
 
 <file path=customXml/itemProps1.xml><?xml version="1.0" encoding="utf-8"?>
+<ds:datastoreItem xmlns:ds="http://schemas.openxmlformats.org/officeDocument/2006/customXml" ds:itemID="{CA1AEAF9-C730-4098-99F1-230B2FED747B}">
+  <ds:schemaRefs>
+    <ds:schemaRef ds:uri="http://schemas.microsoft.com/sharepoint/v3/contenttype/forms"/>
+  </ds:schemaRefs>
+</ds:datastoreItem>
+</file>
+
+<file path=customXml/itemProps2.xml><?xml version="1.0" encoding="utf-8"?>
 <ds:datastoreItem xmlns:ds="http://schemas.openxmlformats.org/officeDocument/2006/customXml" ds:itemID="{F6B4073B-771D-450A-9EDA-ABAA77B0531E}">
   <ds:schemaRefs>
     <ds:schemaRef ds:uri="http://schemas.microsoft.com/office/2006/metadata/contentType"/>
@@ -9615,27 +9810,19 @@
 </ds:datastoreItem>
 </file>
 
-<file path=customXml/itemProps2.xml><?xml version="1.0" encoding="utf-8"?>
-<ds:datastoreItem xmlns:ds="http://schemas.openxmlformats.org/officeDocument/2006/customXml" ds:itemID="{CA1AEAF9-C730-4098-99F1-230B2FED747B}">
-  <ds:schemaRefs>
-    <ds:schemaRef ds:uri="http://schemas.microsoft.com/sharepoint/v3/contenttype/forms"/>
-  </ds:schemaRefs>
-</ds:datastoreItem>
-</file>
-
 <file path=customXml/itemProps3.xml><?xml version="1.0" encoding="utf-8"?>
 <ds:datastoreItem xmlns:ds="http://schemas.openxmlformats.org/officeDocument/2006/customXml" ds:itemID="{D7186F62-2954-471E-9368-38BF5704F41F}">
   <ds:schemaRefs>
-    <ds:schemaRef ds:uri="http://www.w3.org/XML/1998/namespace"/>
-    <ds:schemaRef ds:uri="http://purl.org/dc/elements/1.1/"/>
-    <ds:schemaRef ds:uri="1913475e-a030-45ec-9e8a-a2630205b38f"/>
-    <ds:schemaRef ds:uri="http://schemas.microsoft.com/office/2006/documentManagement/types"/>
     <ds:schemaRef ds:uri="http://schemas.microsoft.com/sharepoint/v3"/>
     <ds:schemaRef ds:uri="0ae7057e-292f-4fd1-bead-5494e4c66c6d"/>
     <ds:schemaRef ds:uri="http://purl.org/dc/terms/"/>
+    <ds:schemaRef ds:uri="http://schemas.openxmlformats.org/package/2006/metadata/core-properties"/>
+    <ds:schemaRef ds:uri="http://schemas.microsoft.com/office/2006/documentManagement/types"/>
+    <ds:schemaRef ds:uri="http://schemas.microsoft.com/office/infopath/2007/PartnerControls"/>
+    <ds:schemaRef ds:uri="http://purl.org/dc/elements/1.1/"/>
     <ds:schemaRef ds:uri="http://schemas.microsoft.com/office/2006/metadata/properties"/>
-    <ds:schemaRef ds:uri="http://schemas.openxmlformats.org/package/2006/metadata/core-properties"/>
-    <ds:schemaRef ds:uri="http://schemas.microsoft.com/office/infopath/2007/PartnerControls"/>
+    <ds:schemaRef ds:uri="1913475e-a030-45ec-9e8a-a2630205b38f"/>
+    <ds:schemaRef ds:uri="http://www.w3.org/XML/1998/namespace"/>
     <ds:schemaRef ds:uri="http://purl.org/dc/dcmitype/"/>
   </ds:schemaRefs>
 </ds:datastoreItem>

--- a/documentation/03 Channels and Gateways.pptx
+++ b/documentation/03 Channels and Gateways.pptx
@@ -225,7 +225,7 @@
           <a:p>
             <a:fld id="{CE53DE84-D7B3-4797-B14D-77424657396D}" type="datetimeFigureOut">
               <a:rPr lang="en-GB" smtClean="0"/>
-              <a:t>01/03/2018</a:t>
+              <a:t>15/03/2018</a:t>
             </a:fld>
             <a:endParaRPr lang="en-GB" dirty="0"/>
           </a:p>
@@ -390,7 +390,7 @@
           <a:p>
             <a:fld id="{D1C597EC-6BB0-461C-B045-D257C6C8821E}" type="datetimeFigureOut">
               <a:rPr lang="en-GB" smtClean="0"/>
-              <a:t>01/03/2018</a:t>
+              <a:t>15/03/2018</a:t>
             </a:fld>
             <a:endParaRPr lang="en-GB" dirty="0"/>
           </a:p>
@@ -1664,7 +1664,7 @@
           <a:p>
             <a:fld id="{22E7AA2F-F619-4723-B6E7-545F24B9918D}" type="datetime4">
               <a:rPr lang="en-GB" smtClean="0"/>
-              <a:t>01 March 2018</a:t>
+              <a:t>15 March 2018</a:t>
             </a:fld>
             <a:endParaRPr lang="en-GB" dirty="0"/>
           </a:p>
@@ -1868,7 +1868,7 @@
           <a:p>
             <a:fld id="{2A4201E0-34F3-46A7-AE44-D99163B13904}" type="datetime4">
               <a:rPr lang="en-GB" smtClean="0"/>
-              <a:t>01 March 2018</a:t>
+              <a:t>15 March 2018</a:t>
             </a:fld>
             <a:endParaRPr lang="en-GB" dirty="0"/>
           </a:p>
@@ -2116,7 +2116,7 @@
           <a:p>
             <a:fld id="{4FAE0867-24A8-448F-B507-CC8586AA6B96}" type="datetime4">
               <a:rPr lang="en-GB" smtClean="0"/>
-              <a:t>01 March 2018</a:t>
+              <a:t>15 March 2018</a:t>
             </a:fld>
             <a:endParaRPr lang="en-GB" dirty="0"/>
           </a:p>
@@ -2300,7 +2300,7 @@
           <a:p>
             <a:fld id="{54BE1DED-F17D-40BA-964F-A1C8DEDCEF61}" type="datetime4">
               <a:rPr lang="en-GB" smtClean="0"/>
-              <a:t>01 March 2018</a:t>
+              <a:t>15 March 2018</a:t>
             </a:fld>
             <a:endParaRPr lang="en-GB" dirty="0"/>
           </a:p>
@@ -2676,7 +2676,7 @@
             <a:fld id="{D9FBC6CA-9941-44FF-B65D-C7A23CB5A4BE}" type="datetime4">
               <a:rPr lang="en-GB" smtClean="0"/>
               <a:pPr/>
-              <a:t>01 March 2018</a:t>
+              <a:t>15 March 2018</a:t>
             </a:fld>
             <a:endParaRPr lang="en-GB" dirty="0"/>
           </a:p>
@@ -2862,7 +2862,7 @@
           <a:p>
             <a:fld id="{D473304B-F8FC-4BC7-8FE8-C50BC87E1FAB}" type="datetime4">
               <a:rPr lang="en-GB" smtClean="0"/>
-              <a:t>01 March 2018</a:t>
+              <a:t>15 March 2018</a:t>
             </a:fld>
             <a:endParaRPr lang="en-GB" dirty="0"/>
           </a:p>
@@ -2957,7 +2957,7 @@
           <a:p>
             <a:fld id="{D3D7C3DF-C1B2-4C30-9BDA-F5EE790E7213}" type="datetime4">
               <a:rPr lang="en-GB" smtClean="0"/>
-              <a:t>01 March 2018</a:t>
+              <a:t>15 March 2018</a:t>
             </a:fld>
             <a:endParaRPr lang="en-GB" dirty="0"/>
           </a:p>
@@ -3182,7 +3182,7 @@
           <a:p>
             <a:fld id="{7A1E630C-C3F3-4A66-A20B-F3CE4CC3331D}" type="datetime4">
               <a:rPr lang="en-GB" smtClean="0"/>
-              <a:t>01 March 2018</a:t>
+              <a:t>15 March 2018</a:t>
             </a:fld>
             <a:endParaRPr lang="en-GB" dirty="0"/>
           </a:p>
@@ -3816,7 +3816,7 @@
           <a:p>
             <a:fld id="{D22C19FE-D082-4640-BFED-203C0E583774}" type="datetime4">
               <a:rPr lang="en-GB" smtClean="0"/>
-              <a:t>01 March 2018</a:t>
+              <a:t>15 March 2018</a:t>
             </a:fld>
             <a:endParaRPr lang="en-GB" dirty="0"/>
           </a:p>
@@ -4486,7 +4486,12 @@
             <p:ph type="title"/>
           </p:nvPr>
         </p:nvSpPr>
-        <p:spPr/>
+        <p:spPr>
+          <a:xfrm>
+            <a:off x="459707" y="135631"/>
+            <a:ext cx="9692420" cy="668216"/>
+          </a:xfrm>
+        </p:spPr>
         <p:txBody>
           <a:bodyPr/>
           <a:lstStyle/>
@@ -4521,7 +4526,7 @@
             <a:fld id="{BC3F1638-3586-4527-A760-38AC15BFC248}" type="datetime4">
               <a:rPr lang="en-GB" smtClean="0"/>
               <a:pPr/>
-              <a:t>01 March 2018</a:t>
+              <a:t>15 March 2018</a:t>
             </a:fld>
             <a:endParaRPr lang="en-GB" dirty="0"/>
           </a:p>
@@ -4553,14 +4558,841 @@
       </p:sp>
       <p:sp>
         <p:nvSpPr>
+          <p:cNvPr id="7" name="Rectangle 6"/>
+          <p:cNvSpPr/>
+          <p:nvPr/>
+        </p:nvSpPr>
+        <p:spPr>
+          <a:xfrm>
+            <a:off x="1411999" y="1074131"/>
+            <a:ext cx="9174493" cy="3712350"/>
+          </a:xfrm>
+          <a:prstGeom prst="rect">
+            <a:avLst/>
+          </a:prstGeom>
+          <a:solidFill>
+            <a:schemeClr val="bg2"/>
+          </a:solidFill>
+          <a:ln>
+            <a:solidFill>
+              <a:schemeClr val="accent2">
+                <a:lumMod val="40000"/>
+                <a:lumOff val="60000"/>
+                <a:alpha val="44000"/>
+              </a:schemeClr>
+            </a:solidFill>
+          </a:ln>
+        </p:spPr>
+        <p:txBody>
+          <a:bodyPr wrap="square" lIns="0" tIns="0" rIns="0" bIns="0" rtlCol="1" anchor="t">
+            <a:noAutofit/>
+          </a:bodyPr>
+          <a:lstStyle/>
+          <a:p>
+            <a:pPr algn="ctr"/>
+            <a:endParaRPr lang="en-US" sz="1000" dirty="0" smtClean="0"/>
+          </a:p>
+          <a:p>
+            <a:pPr algn="ctr"/>
+            <a:r>
+              <a:rPr lang="en-US" sz="2400" b="1" dirty="0" smtClean="0">
+                <a:solidFill>
+                  <a:schemeClr val="accent2"/>
+                </a:solidFill>
+                <a:latin typeface="Candara" panose="020E0502030303020204" pitchFamily="34" charset="0"/>
+              </a:rPr>
+              <a:t>GPP SP</a:t>
+            </a:r>
+            <a:endParaRPr lang="en-US" sz="2400" b="1" dirty="0">
+              <a:solidFill>
+                <a:schemeClr val="accent2"/>
+              </a:solidFill>
+              <a:latin typeface="Candara" panose="020E0502030303020204" pitchFamily="34" charset="0"/>
+            </a:endParaRPr>
+          </a:p>
+        </p:txBody>
+      </p:sp>
+      <p:sp>
+        <p:nvSpPr>
+          <p:cNvPr id="8" name="Rectangle 7"/>
+          <p:cNvSpPr/>
+          <p:nvPr/>
+        </p:nvSpPr>
+        <p:spPr>
+          <a:xfrm>
+            <a:off x="6446968" y="2797403"/>
+            <a:ext cx="3935794" cy="1710396"/>
+          </a:xfrm>
+          <a:prstGeom prst="rect">
+            <a:avLst/>
+          </a:prstGeom>
+          <a:solidFill>
+            <a:schemeClr val="accent5">
+              <a:lumMod val="40000"/>
+              <a:lumOff val="60000"/>
+            </a:schemeClr>
+          </a:solidFill>
+          <a:ln>
+            <a:solidFill>
+              <a:schemeClr val="accent1">
+                <a:lumMod val="75000"/>
+              </a:schemeClr>
+            </a:solidFill>
+          </a:ln>
+        </p:spPr>
+        <p:style>
+          <a:lnRef idx="2">
+            <a:schemeClr val="accent1">
+              <a:shade val="50000"/>
+            </a:schemeClr>
+          </a:lnRef>
+          <a:fillRef idx="1">
+            <a:schemeClr val="accent1"/>
+          </a:fillRef>
+          <a:effectRef idx="0">
+            <a:schemeClr val="accent1"/>
+          </a:effectRef>
+          <a:fontRef idx="minor">
+            <a:schemeClr val="lt1"/>
+          </a:fontRef>
+        </p:style>
+        <p:txBody>
+          <a:bodyPr rtlCol="0" anchor="b"/>
+          <a:lstStyle/>
+          <a:p>
+            <a:pPr algn="ctr"/>
+            <a:r>
+              <a:rPr lang="en-US" dirty="0" smtClean="0">
+                <a:solidFill>
+                  <a:schemeClr val="accent2">
+                    <a:lumMod val="20000"/>
+                    <a:lumOff val="80000"/>
+                  </a:schemeClr>
+                </a:solidFill>
+              </a:rPr>
+              <a:t>INTERFACE LAYER</a:t>
+            </a:r>
+            <a:endParaRPr lang="en-US" dirty="0">
+              <a:solidFill>
+                <a:schemeClr val="accent2">
+                  <a:lumMod val="20000"/>
+                  <a:lumOff val="80000"/>
+                </a:schemeClr>
+              </a:solidFill>
+            </a:endParaRPr>
+          </a:p>
+        </p:txBody>
+      </p:sp>
+      <p:sp>
+        <p:nvSpPr>
+          <p:cNvPr id="9" name="Rounded Rectangle 8"/>
+          <p:cNvSpPr/>
+          <p:nvPr/>
+        </p:nvSpPr>
+        <p:spPr>
+          <a:xfrm>
+            <a:off x="1977300" y="1762284"/>
+            <a:ext cx="2694012" cy="2779214"/>
+          </a:xfrm>
+          <a:prstGeom prst="roundRect">
+            <a:avLst>
+              <a:gd name="adj" fmla="val 7075"/>
+            </a:avLst>
+          </a:prstGeom>
+          <a:solidFill>
+            <a:schemeClr val="bg1">
+              <a:lumMod val="75000"/>
+            </a:schemeClr>
+          </a:solidFill>
+          <a:ln>
+            <a:solidFill>
+              <a:schemeClr val="accent1"/>
+            </a:solidFill>
+          </a:ln>
+        </p:spPr>
+        <p:txBody>
+          <a:bodyPr wrap="square" lIns="0" tIns="0" rIns="0" bIns="0" rtlCol="1" anchor="ctr">
+            <a:noAutofit/>
+          </a:bodyPr>
+          <a:lstStyle/>
+          <a:p>
+            <a:pPr algn="ctr"/>
+            <a:r>
+              <a:rPr lang="en-US" dirty="0">
+                <a:solidFill>
+                  <a:schemeClr val="bg1"/>
+                </a:solidFill>
+              </a:rPr>
+              <a:t>Payment Flow</a:t>
+            </a:r>
+          </a:p>
+          <a:p>
+            <a:pPr algn="ctr"/>
+            <a:r>
+              <a:rPr lang="en-US" dirty="0" smtClean="0">
+                <a:solidFill>
+                  <a:schemeClr val="bg1"/>
+                </a:solidFill>
+              </a:rPr>
+              <a:t>Engine</a:t>
+            </a:r>
+          </a:p>
+          <a:p>
+            <a:pPr algn="ctr"/>
+            <a:r>
+              <a:rPr lang="en-US" sz="1400" dirty="0" smtClean="0">
+                <a:solidFill>
+                  <a:schemeClr val="bg1"/>
+                </a:solidFill>
+              </a:rPr>
+              <a:t>(interfaces exit points)</a:t>
+            </a:r>
+            <a:endParaRPr lang="en-US" sz="1400" dirty="0">
+              <a:solidFill>
+                <a:schemeClr val="bg1"/>
+              </a:solidFill>
+            </a:endParaRPr>
+          </a:p>
+        </p:txBody>
+      </p:sp>
+      <p:sp>
+        <p:nvSpPr>
+          <p:cNvPr id="10" name="Rounded Rectangle 9"/>
+          <p:cNvSpPr/>
+          <p:nvPr/>
+        </p:nvSpPr>
+        <p:spPr>
+          <a:xfrm rot="5400000">
+            <a:off x="7939004" y="276332"/>
+            <a:ext cx="920188" cy="3935794"/>
+          </a:xfrm>
+          <a:prstGeom prst="roundRect">
+            <a:avLst/>
+          </a:prstGeom>
+          <a:solidFill>
+            <a:schemeClr val="bg1">
+              <a:lumMod val="75000"/>
+            </a:schemeClr>
+          </a:solidFill>
+          <a:ln>
+            <a:noFill/>
+          </a:ln>
+        </p:spPr>
+        <p:style>
+          <a:lnRef idx="2">
+            <a:schemeClr val="accent1">
+              <a:shade val="50000"/>
+            </a:schemeClr>
+          </a:lnRef>
+          <a:fillRef idx="1">
+            <a:schemeClr val="accent1"/>
+          </a:fillRef>
+          <a:effectRef idx="0">
+            <a:schemeClr val="accent1"/>
+          </a:effectRef>
+          <a:fontRef idx="minor">
+            <a:schemeClr val="lt1"/>
+          </a:fontRef>
+        </p:style>
+        <p:txBody>
+          <a:bodyPr vert="vert270" rtlCol="0" anchor="ctr"/>
+          <a:lstStyle/>
+          <a:p>
+            <a:pPr algn="ctr"/>
+            <a:r>
+              <a:rPr lang="en-US" dirty="0" smtClean="0"/>
+              <a:t>Rule Engine</a:t>
+            </a:r>
+          </a:p>
+          <a:p>
+            <a:pPr algn="ctr"/>
+            <a:r>
+              <a:rPr lang="en-US" dirty="0" smtClean="0"/>
+              <a:t>(</a:t>
+            </a:r>
+            <a:r>
+              <a:rPr lang="en-US" sz="1400" dirty="0" smtClean="0"/>
+              <a:t>interface</a:t>
+            </a:r>
+            <a:r>
+              <a:rPr lang="en-US" dirty="0" smtClean="0"/>
+              <a:t> </a:t>
+            </a:r>
+            <a:r>
+              <a:rPr lang="en-US" sz="1400" dirty="0" smtClean="0"/>
+              <a:t>selection</a:t>
+            </a:r>
+            <a:r>
+              <a:rPr lang="en-US" dirty="0" smtClean="0"/>
+              <a:t>)</a:t>
+            </a:r>
+            <a:endParaRPr lang="en-US" dirty="0"/>
+          </a:p>
+        </p:txBody>
+      </p:sp>
+      <p:sp>
+        <p:nvSpPr>
+          <p:cNvPr id="12" name="Rounded Rectangle 11"/>
+          <p:cNvSpPr/>
+          <p:nvPr/>
+        </p:nvSpPr>
+        <p:spPr>
+          <a:xfrm>
+            <a:off x="6646484" y="2954740"/>
+            <a:ext cx="3505643" cy="452762"/>
+          </a:xfrm>
+          <a:prstGeom prst="roundRect">
+            <a:avLst/>
+          </a:prstGeom>
+          <a:solidFill>
+            <a:schemeClr val="bg1">
+              <a:lumMod val="75000"/>
+            </a:schemeClr>
+          </a:solidFill>
+          <a:ln>
+            <a:solidFill>
+              <a:schemeClr val="accent1"/>
+            </a:solidFill>
+          </a:ln>
+        </p:spPr>
+        <p:txBody>
+          <a:bodyPr wrap="square" lIns="0" tIns="0" rIns="0" bIns="0" rtlCol="1" anchor="ctr">
+            <a:noAutofit/>
+          </a:bodyPr>
+          <a:lstStyle/>
+          <a:p>
+            <a:pPr algn="ctr"/>
+            <a:r>
+              <a:rPr lang="en-US" dirty="0">
+                <a:solidFill>
+                  <a:schemeClr val="bg1"/>
+                </a:solidFill>
+              </a:rPr>
+              <a:t>Interface Adapter</a:t>
+            </a:r>
+            <a:endParaRPr lang="en-US" dirty="0">
+              <a:solidFill>
+                <a:schemeClr val="bg1"/>
+              </a:solidFill>
+            </a:endParaRPr>
+          </a:p>
+        </p:txBody>
+      </p:sp>
+      <p:sp>
+        <p:nvSpPr>
+          <p:cNvPr id="13" name="Rounded Rectangle 12"/>
+          <p:cNvSpPr/>
+          <p:nvPr/>
+        </p:nvSpPr>
+        <p:spPr>
+          <a:xfrm>
+            <a:off x="6535206" y="3903406"/>
+            <a:ext cx="1047565" cy="450880"/>
+          </a:xfrm>
+          <a:prstGeom prst="roundRect">
+            <a:avLst/>
+          </a:prstGeom>
+          <a:ln>
+            <a:noFill/>
+          </a:ln>
+        </p:spPr>
+        <p:style>
+          <a:lnRef idx="2">
+            <a:schemeClr val="accent1">
+              <a:shade val="50000"/>
+            </a:schemeClr>
+          </a:lnRef>
+          <a:fillRef idx="1">
+            <a:schemeClr val="accent1"/>
+          </a:fillRef>
+          <a:effectRef idx="0">
+            <a:schemeClr val="accent1"/>
+          </a:effectRef>
+          <a:fontRef idx="minor">
+            <a:schemeClr val="lt1"/>
+          </a:fontRef>
+        </p:style>
+        <p:txBody>
+          <a:bodyPr rtlCol="0" anchor="ctr"/>
+          <a:lstStyle/>
+          <a:p>
+            <a:pPr algn="ctr"/>
+            <a:r>
+              <a:rPr lang="en-US" sz="1100" dirty="0" smtClean="0"/>
+              <a:t>Message Handler</a:t>
+            </a:r>
+            <a:endParaRPr lang="en-US" sz="1100" dirty="0"/>
+          </a:p>
+        </p:txBody>
+      </p:sp>
+      <p:sp>
+        <p:nvSpPr>
+          <p:cNvPr id="14" name="Rounded Rectangle 13"/>
+          <p:cNvSpPr/>
+          <p:nvPr/>
+        </p:nvSpPr>
+        <p:spPr>
+          <a:xfrm>
+            <a:off x="9245302" y="3834035"/>
+            <a:ext cx="1103818" cy="495269"/>
+          </a:xfrm>
+          <a:prstGeom prst="roundRect">
+            <a:avLst/>
+          </a:prstGeom>
+          <a:solidFill>
+            <a:schemeClr val="bg1">
+              <a:lumMod val="75000"/>
+            </a:schemeClr>
+          </a:solidFill>
+          <a:ln>
+            <a:noFill/>
+          </a:ln>
+        </p:spPr>
+        <p:style>
+          <a:lnRef idx="2">
+            <a:schemeClr val="accent1">
+              <a:shade val="50000"/>
+            </a:schemeClr>
+          </a:lnRef>
+          <a:fillRef idx="1">
+            <a:schemeClr val="accent1"/>
+          </a:fillRef>
+          <a:effectRef idx="0">
+            <a:schemeClr val="accent1"/>
+          </a:effectRef>
+          <a:fontRef idx="minor">
+            <a:schemeClr val="lt1"/>
+          </a:fontRef>
+        </p:style>
+        <p:txBody>
+          <a:bodyPr rtlCol="0" anchor="ctr"/>
+          <a:lstStyle/>
+          <a:p>
+            <a:pPr algn="ctr"/>
+            <a:r>
+              <a:rPr lang="en-US" sz="1100" dirty="0" smtClean="0"/>
+              <a:t>Transmission Layer</a:t>
+            </a:r>
+            <a:endParaRPr lang="en-US" sz="1100" dirty="0"/>
+          </a:p>
+        </p:txBody>
+      </p:sp>
+      <p:sp>
+        <p:nvSpPr>
+          <p:cNvPr id="15" name="Rounded Rectangle 14"/>
+          <p:cNvSpPr/>
+          <p:nvPr/>
+        </p:nvSpPr>
+        <p:spPr>
+          <a:xfrm>
+            <a:off x="7858288" y="3868906"/>
+            <a:ext cx="1081623" cy="460029"/>
+          </a:xfrm>
+          <a:prstGeom prst="roundRect">
+            <a:avLst/>
+          </a:prstGeom>
+          <a:solidFill>
+            <a:schemeClr val="bg1">
+              <a:lumMod val="75000"/>
+            </a:schemeClr>
+          </a:solidFill>
+          <a:ln>
+            <a:noFill/>
+          </a:ln>
+        </p:spPr>
+        <p:style>
+          <a:lnRef idx="2">
+            <a:schemeClr val="accent1">
+              <a:shade val="50000"/>
+            </a:schemeClr>
+          </a:lnRef>
+          <a:fillRef idx="1">
+            <a:schemeClr val="accent1"/>
+          </a:fillRef>
+          <a:effectRef idx="0">
+            <a:schemeClr val="accent1"/>
+          </a:effectRef>
+          <a:fontRef idx="minor">
+            <a:schemeClr val="lt1"/>
+          </a:fontRef>
+        </p:style>
+        <p:txBody>
+          <a:bodyPr rtlCol="0" anchor="ctr"/>
+          <a:lstStyle/>
+          <a:p>
+            <a:pPr algn="ctr"/>
+            <a:r>
+              <a:rPr lang="en-US" sz="1100" dirty="0" smtClean="0"/>
+              <a:t>Configuration</a:t>
+            </a:r>
+            <a:endParaRPr lang="en-US" sz="1100" dirty="0"/>
+          </a:p>
+        </p:txBody>
+      </p:sp>
+      <p:pic>
+        <p:nvPicPr>
+          <p:cNvPr id="17" name="Picture 4" descr="Image result for java code"/>
+          <p:cNvPicPr>
+            <a:picLocks noChangeAspect="1" noChangeArrowheads="1"/>
+          </p:cNvPicPr>
+          <p:nvPr/>
+        </p:nvPicPr>
+        <p:blipFill>
+          <a:blip r:embed="rId3">
+            <a:extLst>
+              <a:ext uri="{28A0092B-C50C-407E-A947-70E740481C1C}">
+                <a14:useLocalDpi xmlns:a14="http://schemas.microsoft.com/office/drawing/2010/main" val="0"/>
+              </a:ext>
+            </a:extLst>
+          </a:blip>
+          <a:srcRect/>
+          <a:stretch>
+            <a:fillRect/>
+          </a:stretch>
+        </p:blipFill>
+        <p:spPr bwMode="auto">
+          <a:xfrm>
+            <a:off x="6535206" y="5077278"/>
+            <a:ext cx="1026817" cy="547233"/>
+          </a:xfrm>
+          <a:prstGeom prst="rect">
+            <a:avLst/>
+          </a:prstGeom>
+          <a:noFill/>
+          <a:extLst>
+            <a:ext uri="{909E8E84-426E-40DD-AFC4-6F175D3DCCD1}">
+              <a14:hiddenFill xmlns:a14="http://schemas.microsoft.com/office/drawing/2010/main">
+                <a:solidFill>
+                  <a:srgbClr val="FFFFFF"/>
+                </a:solidFill>
+              </a14:hiddenFill>
+            </a:ext>
+          </a:extLst>
+        </p:spPr>
+      </p:pic>
+      <p:cxnSp>
+        <p:nvCxnSpPr>
+          <p:cNvPr id="21" name="Straight Arrow Connector 20"/>
+          <p:cNvCxnSpPr>
+            <a:stCxn id="13" idx="2"/>
+            <a:endCxn id="17" idx="0"/>
+          </p:cNvCxnSpPr>
+          <p:nvPr/>
+        </p:nvCxnSpPr>
+        <p:spPr>
+          <a:xfrm flipH="1">
+            <a:off x="7048615" y="4354286"/>
+            <a:ext cx="10374" cy="722992"/>
+          </a:xfrm>
+          <a:prstGeom prst="straightConnector1">
+            <a:avLst/>
+          </a:prstGeom>
+          <a:ln w="19050">
+            <a:tailEnd type="triangle"/>
+          </a:ln>
+        </p:spPr>
+        <p:style>
+          <a:lnRef idx="1">
+            <a:schemeClr val="accent1"/>
+          </a:lnRef>
+          <a:fillRef idx="0">
+            <a:schemeClr val="accent1"/>
+          </a:fillRef>
+          <a:effectRef idx="0">
+            <a:schemeClr val="accent1"/>
+          </a:effectRef>
+          <a:fontRef idx="minor">
+            <a:schemeClr val="tx1"/>
+          </a:fontRef>
+        </p:style>
+      </p:cxnSp>
+      <p:cxnSp>
+        <p:nvCxnSpPr>
+          <p:cNvPr id="24" name="Elbow Connector 23"/>
+          <p:cNvCxnSpPr>
+            <a:stCxn id="12" idx="2"/>
+            <a:endCxn id="13" idx="0"/>
+          </p:cNvCxnSpPr>
+          <p:nvPr/>
+        </p:nvCxnSpPr>
+        <p:spPr>
+          <a:xfrm rot="5400000">
+            <a:off x="7481196" y="2985296"/>
+            <a:ext cx="495904" cy="1340317"/>
+          </a:xfrm>
+          <a:prstGeom prst="bentConnector3">
+            <a:avLst>
+              <a:gd name="adj1" fmla="val 50000"/>
+            </a:avLst>
+          </a:prstGeom>
+          <a:ln w="19050">
+            <a:tailEnd type="triangle"/>
+          </a:ln>
+        </p:spPr>
+        <p:style>
+          <a:lnRef idx="1">
+            <a:schemeClr val="accent1"/>
+          </a:lnRef>
+          <a:fillRef idx="0">
+            <a:schemeClr val="accent1"/>
+          </a:fillRef>
+          <a:effectRef idx="0">
+            <a:schemeClr val="accent1"/>
+          </a:effectRef>
+          <a:fontRef idx="minor">
+            <a:schemeClr val="tx1"/>
+          </a:fontRef>
+        </p:style>
+      </p:cxnSp>
+      <p:cxnSp>
+        <p:nvCxnSpPr>
+          <p:cNvPr id="25" name="Elbow Connector 24"/>
+          <p:cNvCxnSpPr>
+            <a:stCxn id="12" idx="2"/>
+            <a:endCxn id="15" idx="0"/>
+          </p:cNvCxnSpPr>
+          <p:nvPr/>
+        </p:nvCxnSpPr>
+        <p:spPr>
+          <a:xfrm rot="5400000">
+            <a:off x="8168501" y="3638101"/>
+            <a:ext cx="461404" cy="206"/>
+          </a:xfrm>
+          <a:prstGeom prst="bentConnector3">
+            <a:avLst/>
+          </a:prstGeom>
+          <a:ln w="19050">
+            <a:tailEnd type="triangle"/>
+          </a:ln>
+        </p:spPr>
+        <p:style>
+          <a:lnRef idx="1">
+            <a:schemeClr val="accent1"/>
+          </a:lnRef>
+          <a:fillRef idx="0">
+            <a:schemeClr val="accent1"/>
+          </a:fillRef>
+          <a:effectRef idx="0">
+            <a:schemeClr val="accent1"/>
+          </a:effectRef>
+          <a:fontRef idx="minor">
+            <a:schemeClr val="tx1"/>
+          </a:fontRef>
+        </p:style>
+      </p:cxnSp>
+      <p:cxnSp>
+        <p:nvCxnSpPr>
+          <p:cNvPr id="26" name="Elbow Connector 25"/>
+          <p:cNvCxnSpPr>
+            <a:stCxn id="12" idx="2"/>
+            <a:endCxn id="14" idx="0"/>
+          </p:cNvCxnSpPr>
+          <p:nvPr/>
+        </p:nvCxnSpPr>
+        <p:spPr>
+          <a:xfrm rot="16200000" flipH="1">
+            <a:off x="8884992" y="2921815"/>
+            <a:ext cx="426533" cy="1397905"/>
+          </a:xfrm>
+          <a:prstGeom prst="bentConnector3">
+            <a:avLst>
+              <a:gd name="adj1" fmla="val 56244"/>
+            </a:avLst>
+          </a:prstGeom>
+          <a:ln w="19050">
+            <a:tailEnd type="triangle"/>
+          </a:ln>
+        </p:spPr>
+        <p:style>
+          <a:lnRef idx="1">
+            <a:schemeClr val="accent1"/>
+          </a:lnRef>
+          <a:fillRef idx="0">
+            <a:schemeClr val="accent1"/>
+          </a:fillRef>
+          <a:effectRef idx="0">
+            <a:schemeClr val="accent1"/>
+          </a:effectRef>
+          <a:fontRef idx="minor">
+            <a:schemeClr val="tx1"/>
+          </a:fontRef>
+        </p:style>
+      </p:cxnSp>
+      <p:sp>
+        <p:nvSpPr>
+          <p:cNvPr id="27" name="Right Arrow 26"/>
+          <p:cNvSpPr/>
+          <p:nvPr/>
+        </p:nvSpPr>
+        <p:spPr>
+          <a:xfrm>
+            <a:off x="4823559" y="2081716"/>
+            <a:ext cx="1471162" cy="281324"/>
+          </a:xfrm>
+          <a:prstGeom prst="rightArrow">
+            <a:avLst/>
+          </a:prstGeom>
+          <a:solidFill>
+            <a:schemeClr val="bg1">
+              <a:lumMod val="75000"/>
+            </a:schemeClr>
+          </a:solidFill>
+          <a:ln>
+            <a:noFill/>
+          </a:ln>
+        </p:spPr>
+        <p:style>
+          <a:lnRef idx="2">
+            <a:schemeClr val="accent1">
+              <a:shade val="50000"/>
+            </a:schemeClr>
+          </a:lnRef>
+          <a:fillRef idx="1">
+            <a:schemeClr val="accent1"/>
+          </a:fillRef>
+          <a:effectRef idx="0">
+            <a:schemeClr val="accent1"/>
+          </a:effectRef>
+          <a:fontRef idx="minor">
+            <a:schemeClr val="lt1"/>
+          </a:fontRef>
+        </p:style>
+        <p:txBody>
+          <a:bodyPr vert="vert270" rtlCol="0" anchor="ctr"/>
+          <a:lstStyle/>
+          <a:p>
+            <a:pPr algn="ctr"/>
+            <a:endParaRPr lang="en-US"/>
+          </a:p>
+        </p:txBody>
+      </p:sp>
+      <p:sp>
+        <p:nvSpPr>
+          <p:cNvPr id="28" name="Right Arrow 27"/>
+          <p:cNvSpPr/>
+          <p:nvPr/>
+        </p:nvSpPr>
+        <p:spPr>
+          <a:xfrm rot="10800000">
+            <a:off x="4780624" y="4005243"/>
+            <a:ext cx="1471162" cy="354434"/>
+          </a:xfrm>
+          <a:prstGeom prst="rightArrow">
+            <a:avLst/>
+          </a:prstGeom>
+          <a:ln>
+            <a:noFill/>
+          </a:ln>
+        </p:spPr>
+        <p:style>
+          <a:lnRef idx="2">
+            <a:schemeClr val="accent1">
+              <a:shade val="50000"/>
+            </a:schemeClr>
+          </a:lnRef>
+          <a:fillRef idx="1">
+            <a:schemeClr val="accent1"/>
+          </a:fillRef>
+          <a:effectRef idx="0">
+            <a:schemeClr val="accent1"/>
+          </a:effectRef>
+          <a:fontRef idx="minor">
+            <a:schemeClr val="lt1"/>
+          </a:fontRef>
+        </p:style>
+        <p:txBody>
+          <a:bodyPr rtlCol="0" anchor="ctr"/>
+          <a:lstStyle/>
+          <a:p>
+            <a:pPr algn="ctr"/>
+            <a:endParaRPr lang="en-US"/>
+          </a:p>
+        </p:txBody>
+      </p:sp>
+      <p:sp>
+        <p:nvSpPr>
+          <p:cNvPr id="29" name="TextBox 28"/>
+          <p:cNvSpPr txBox="1"/>
+          <p:nvPr/>
+        </p:nvSpPr>
+        <p:spPr>
+          <a:xfrm>
+            <a:off x="4941533" y="1875792"/>
+            <a:ext cx="1149342" cy="274731"/>
+          </a:xfrm>
+          <a:prstGeom prst="rect">
+            <a:avLst/>
+          </a:prstGeom>
+          <a:noFill/>
+        </p:spPr>
+        <p:txBody>
+          <a:bodyPr wrap="none" lIns="0" tIns="0" rIns="0" bIns="0" rtlCol="0">
+            <a:noAutofit/>
+          </a:bodyPr>
+          <a:lstStyle/>
+          <a:p>
+            <a:r>
+              <a:rPr lang="en-US" sz="1400" dirty="0">
+                <a:solidFill>
+                  <a:schemeClr val="accent2"/>
+                </a:solidFill>
+              </a:rPr>
+              <a:t>p</a:t>
+            </a:r>
+            <a:r>
+              <a:rPr lang="en-US" sz="1400" dirty="0" smtClean="0">
+                <a:solidFill>
+                  <a:schemeClr val="accent2"/>
+                </a:solidFill>
+              </a:rPr>
+              <a:t>ayment data  </a:t>
+            </a:r>
+          </a:p>
+        </p:txBody>
+      </p:sp>
+      <p:sp>
+        <p:nvSpPr>
+          <p:cNvPr id="30" name="TextBox 29"/>
+          <p:cNvSpPr txBox="1"/>
+          <p:nvPr/>
+        </p:nvSpPr>
+        <p:spPr>
+          <a:xfrm>
+            <a:off x="5022109" y="3807484"/>
+            <a:ext cx="1149342" cy="274731"/>
+          </a:xfrm>
+          <a:prstGeom prst="rect">
+            <a:avLst/>
+          </a:prstGeom>
+          <a:noFill/>
+        </p:spPr>
+        <p:txBody>
+          <a:bodyPr wrap="none" lIns="0" tIns="0" rIns="0" bIns="0" rtlCol="0">
+            <a:noAutofit/>
+          </a:bodyPr>
+          <a:lstStyle/>
+          <a:p>
+            <a:r>
+              <a:rPr lang="en-US" sz="1400" dirty="0" smtClean="0">
+                <a:solidFill>
+                  <a:schemeClr val="accent2"/>
+                </a:solidFill>
+              </a:rPr>
+              <a:t>response data  </a:t>
+            </a:r>
+          </a:p>
+        </p:txBody>
+      </p:sp>
+      <p:sp>
+        <p:nvSpPr>
           <p:cNvPr id="3" name="Rectangle 2"/>
           <p:cNvSpPr/>
           <p:nvPr/>
         </p:nvSpPr>
         <p:spPr>
           <a:xfrm>
-            <a:off x="623888" y="1489708"/>
-            <a:ext cx="9789619" cy="2991588"/>
+            <a:off x="538162" y="4844415"/>
+            <a:ext cx="6373359" cy="1445011"/>
           </a:xfrm>
           <a:prstGeom prst="rect">
             <a:avLst/>
@@ -4585,16 +5417,11 @@
               </a:spcBef>
               <a:buSzPct val="150000"/>
               <a:buBlip>
-                <a:blip r:embed="rId3"/>
+                <a:blip r:embed="rId4"/>
               </a:buBlip>
             </a:pPr>
             <a:r>
-              <a:rPr lang="en-US" b="1" dirty="0" smtClean="0">
-                <a:solidFill>
-                  <a:schemeClr val="accent2"/>
-                </a:solidFill>
-                <a:latin typeface="Courier" pitchFamily="49" charset="0"/>
-              </a:rPr>
+              <a:rPr lang="en-US" sz="1400" dirty="0" smtClean="0"/>
               <a:t>Implemented in Java and configured in respective interface record. </a:t>
             </a:r>
           </a:p>
@@ -4608,16 +5435,11 @@
               </a:spcBef>
               <a:buSzPct val="150000"/>
               <a:buBlip>
-                <a:blip r:embed="rId3"/>
+                <a:blip r:embed="rId4"/>
               </a:buBlip>
             </a:pPr>
             <a:r>
-              <a:rPr lang="en-US" b="1" dirty="0" smtClean="0">
-                <a:solidFill>
-                  <a:schemeClr val="accent2"/>
-                </a:solidFill>
-                <a:latin typeface="Courier" pitchFamily="49" charset="0"/>
-              </a:rPr>
+              <a:rPr lang="en-US" sz="1400" dirty="0" smtClean="0"/>
               <a:t>Generates out going message from payment.</a:t>
             </a:r>
           </a:p>
@@ -4631,16 +5453,11 @@
               </a:spcBef>
               <a:buSzPct val="150000"/>
               <a:buBlip>
-                <a:blip r:embed="rId3"/>
+                <a:blip r:embed="rId4"/>
               </a:buBlip>
             </a:pPr>
             <a:r>
-              <a:rPr lang="en-US" b="1" dirty="0" smtClean="0">
-                <a:solidFill>
-                  <a:schemeClr val="accent2"/>
-                </a:solidFill>
-                <a:latin typeface="Courier" pitchFamily="49" charset="0"/>
-              </a:rPr>
+              <a:rPr lang="en-US" sz="1400" dirty="0" smtClean="0"/>
               <a:t>De-serializes incoming message and update payment</a:t>
             </a:r>
           </a:p>
@@ -4654,77 +5471,18 @@
               </a:spcBef>
               <a:buSzPct val="150000"/>
               <a:buBlip>
-                <a:blip r:embed="rId3"/>
+                <a:blip r:embed="rId4"/>
               </a:buBlip>
             </a:pPr>
             <a:r>
-              <a:rPr lang="en-US" b="1" dirty="0" smtClean="0">
-                <a:solidFill>
-                  <a:schemeClr val="accent2"/>
-                </a:solidFill>
-                <a:latin typeface="Courier" pitchFamily="49" charset="0"/>
-              </a:rPr>
-              <a:t>Capable of generating messages in various formats</a:t>
-            </a:r>
-          </a:p>
-          <a:p>
-            <a:pPr marL="411163" indent="-411163">
-              <a:lnSpc>
-                <a:spcPct val="90000"/>
-              </a:lnSpc>
-              <a:spcBef>
-                <a:spcPts val="1500"/>
-              </a:spcBef>
-              <a:buSzPct val="150000"/>
-              <a:buBlip>
-                <a:blip r:embed="rId3"/>
-              </a:buBlip>
-            </a:pPr>
-            <a:endParaRPr lang="en-US" b="1" dirty="0" smtClean="0">
-              <a:solidFill>
-                <a:schemeClr val="accent2"/>
-              </a:solidFill>
-              <a:latin typeface="Courier" pitchFamily="49" charset="0"/>
-            </a:endParaRPr>
-          </a:p>
-          <a:p>
-            <a:pPr marL="411163" indent="-411163">
-              <a:lnSpc>
-                <a:spcPct val="90000"/>
-              </a:lnSpc>
-              <a:spcBef>
-                <a:spcPts val="1500"/>
-              </a:spcBef>
-              <a:buSzPct val="150000"/>
-              <a:buBlip>
-                <a:blip r:embed="rId3"/>
-              </a:buBlip>
-            </a:pPr>
-            <a:endParaRPr lang="en-US" b="1" dirty="0" smtClean="0">
-              <a:solidFill>
-                <a:schemeClr val="accent2"/>
-              </a:solidFill>
-              <a:latin typeface="Courier" pitchFamily="49" charset="0"/>
-            </a:endParaRPr>
-          </a:p>
-          <a:p>
-            <a:pPr marL="411163" indent="-411163">
-              <a:lnSpc>
-                <a:spcPct val="90000"/>
-              </a:lnSpc>
-              <a:spcBef>
-                <a:spcPts val="1500"/>
-              </a:spcBef>
-              <a:buSzPct val="150000"/>
-              <a:buBlip>
-                <a:blip r:embed="rId3"/>
-              </a:buBlip>
-            </a:pPr>
-            <a:endParaRPr lang="en-US" dirty="0" smtClean="0">
-              <a:solidFill>
-                <a:schemeClr val="tx2"/>
-              </a:solidFill>
-            </a:endParaRPr>
+              <a:rPr lang="en-US" sz="1400" dirty="0" smtClean="0"/>
+              <a:t>Capable of generating messages in various </a:t>
+            </a:r>
+            <a:r>
+              <a:rPr lang="en-US" sz="1400" dirty="0" smtClean="0"/>
+              <a:t>formats</a:t>
+            </a:r>
+            <a:endParaRPr lang="en-US" sz="1400" dirty="0" smtClean="0"/>
           </a:p>
         </p:txBody>
       </p:sp>
@@ -4822,7 +5580,7 @@
             <a:fld id="{BC3F1638-3586-4527-A760-38AC15BFC248}" type="datetime4">
               <a:rPr lang="en-GB" smtClean="0"/>
               <a:pPr/>
-              <a:t>01 March 2018</a:t>
+              <a:t>15 March 2018</a:t>
             </a:fld>
             <a:endParaRPr lang="en-GB" dirty="0"/>
           </a:p>
@@ -4860,8 +5618,8 @@
         </p:nvSpPr>
         <p:spPr>
           <a:xfrm>
-            <a:off x="526689" y="1800426"/>
-            <a:ext cx="9789619" cy="2549929"/>
+            <a:off x="1409607" y="4967109"/>
+            <a:ext cx="6017053" cy="1058751"/>
           </a:xfrm>
           <a:prstGeom prst="rect">
             <a:avLst/>
@@ -4890,12 +5648,7 @@
               </a:buBlip>
             </a:pPr>
             <a:r>
-              <a:rPr lang="en-US" b="1" dirty="0" smtClean="0">
-                <a:solidFill>
-                  <a:schemeClr val="accent2"/>
-                </a:solidFill>
-                <a:latin typeface="Courier" pitchFamily="49" charset="0"/>
-              </a:rPr>
+              <a:rPr lang="en-US" sz="1400" dirty="0"/>
               <a:t>Sends and Receive message. </a:t>
             </a:r>
           </a:p>
@@ -4913,12 +5666,7 @@
               </a:buBlip>
             </a:pPr>
             <a:r>
-              <a:rPr lang="en-US" b="1" dirty="0" smtClean="0">
-                <a:solidFill>
-                  <a:schemeClr val="accent2"/>
-                </a:solidFill>
-                <a:latin typeface="Courier" pitchFamily="49" charset="0"/>
-              </a:rPr>
+              <a:rPr lang="en-US" sz="1400" dirty="0"/>
               <a:t>Capable of handling various protocols.</a:t>
             </a:r>
           </a:p>
@@ -4936,76 +5684,919 @@
               </a:buBlip>
             </a:pPr>
             <a:r>
-              <a:rPr lang="en-US" b="1" dirty="0" smtClean="0">
+              <a:rPr lang="en-US" sz="1400" dirty="0"/>
+              <a:t>Performs synchronous and asynchronous communication.</a:t>
+            </a:r>
+          </a:p>
+        </p:txBody>
+      </p:sp>
+      <p:sp>
+        <p:nvSpPr>
+          <p:cNvPr id="7" name="Rectangle 6"/>
+          <p:cNvSpPr/>
+          <p:nvPr/>
+        </p:nvSpPr>
+        <p:spPr>
+          <a:xfrm>
+            <a:off x="1411999" y="1074131"/>
+            <a:ext cx="9174493" cy="3712350"/>
+          </a:xfrm>
+          <a:prstGeom prst="rect">
+            <a:avLst/>
+          </a:prstGeom>
+          <a:solidFill>
+            <a:schemeClr val="bg2"/>
+          </a:solidFill>
+          <a:ln>
+            <a:solidFill>
+              <a:schemeClr val="accent2">
+                <a:lumMod val="40000"/>
+                <a:lumOff val="60000"/>
+                <a:alpha val="44000"/>
+              </a:schemeClr>
+            </a:solidFill>
+          </a:ln>
+        </p:spPr>
+        <p:txBody>
+          <a:bodyPr wrap="square" lIns="0" tIns="0" rIns="0" bIns="0" rtlCol="1" anchor="t">
+            <a:noAutofit/>
+          </a:bodyPr>
+          <a:lstStyle/>
+          <a:p>
+            <a:pPr algn="ctr"/>
+            <a:endParaRPr lang="en-US" sz="1000" dirty="0" smtClean="0"/>
+          </a:p>
+          <a:p>
+            <a:pPr algn="ctr"/>
+            <a:r>
+              <a:rPr lang="en-US" sz="2400" b="1" dirty="0" smtClean="0">
                 <a:solidFill>
                   <a:schemeClr val="accent2"/>
                 </a:solidFill>
-                <a:latin typeface="Courier" pitchFamily="49" charset="0"/>
+                <a:latin typeface="Candara" panose="020E0502030303020204" pitchFamily="34" charset="0"/>
               </a:rPr>
-              <a:t>Performs synchronous and asynchronous communication.</a:t>
-            </a:r>
-          </a:p>
-          <a:p>
-            <a:pPr marL="411163" indent="-411163">
-              <a:lnSpc>
-                <a:spcPct val="90000"/>
-              </a:lnSpc>
-              <a:spcBef>
-                <a:spcPts val="1500"/>
-              </a:spcBef>
-              <a:buSzPct val="150000"/>
-              <a:buBlip>
-                <a:blip r:embed="rId3"/>
-              </a:buBlip>
-            </a:pPr>
-            <a:endParaRPr lang="en-US" b="1" dirty="0" smtClean="0">
+              <a:t>GPP SP</a:t>
+            </a:r>
+            <a:endParaRPr lang="en-US" sz="2400" b="1" dirty="0">
               <a:solidFill>
                 <a:schemeClr val="accent2"/>
               </a:solidFill>
-              <a:latin typeface="Courier" pitchFamily="49" charset="0"/>
+              <a:latin typeface="Candara" panose="020E0502030303020204" pitchFamily="34" charset="0"/>
             </a:endParaRPr>
           </a:p>
-          <a:p>
-            <a:pPr marL="411163" indent="-411163">
-              <a:lnSpc>
-                <a:spcPct val="90000"/>
-              </a:lnSpc>
-              <a:spcBef>
-                <a:spcPts val="1500"/>
-              </a:spcBef>
-              <a:buSzPct val="150000"/>
-              <a:buBlip>
-                <a:blip r:embed="rId3"/>
-              </a:buBlip>
-            </a:pPr>
-            <a:endParaRPr lang="en-US" b="1" dirty="0" smtClean="0">
+        </p:txBody>
+      </p:sp>
+      <p:sp>
+        <p:nvSpPr>
+          <p:cNvPr id="8" name="Rectangle 7"/>
+          <p:cNvSpPr/>
+          <p:nvPr/>
+        </p:nvSpPr>
+        <p:spPr>
+          <a:xfrm>
+            <a:off x="6446968" y="2797403"/>
+            <a:ext cx="3935794" cy="1710396"/>
+          </a:xfrm>
+          <a:prstGeom prst="rect">
+            <a:avLst/>
+          </a:prstGeom>
+          <a:solidFill>
+            <a:schemeClr val="accent5">
+              <a:lumMod val="40000"/>
+              <a:lumOff val="60000"/>
+            </a:schemeClr>
+          </a:solidFill>
+          <a:ln>
+            <a:solidFill>
+              <a:schemeClr val="accent1">
+                <a:lumMod val="75000"/>
+              </a:schemeClr>
+            </a:solidFill>
+          </a:ln>
+        </p:spPr>
+        <p:style>
+          <a:lnRef idx="2">
+            <a:schemeClr val="accent1">
+              <a:shade val="50000"/>
+            </a:schemeClr>
+          </a:lnRef>
+          <a:fillRef idx="1">
+            <a:schemeClr val="accent1"/>
+          </a:fillRef>
+          <a:effectRef idx="0">
+            <a:schemeClr val="accent1"/>
+          </a:effectRef>
+          <a:fontRef idx="minor">
+            <a:schemeClr val="lt1"/>
+          </a:fontRef>
+        </p:style>
+        <p:txBody>
+          <a:bodyPr rtlCol="0" anchor="b"/>
+          <a:lstStyle/>
+          <a:p>
+            <a:pPr algn="ctr"/>
+            <a:r>
+              <a:rPr lang="en-US" dirty="0" smtClean="0">
+                <a:solidFill>
+                  <a:schemeClr val="accent2">
+                    <a:lumMod val="20000"/>
+                    <a:lumOff val="80000"/>
+                  </a:schemeClr>
+                </a:solidFill>
+              </a:rPr>
+              <a:t>INTERFACE LAYER</a:t>
+            </a:r>
+            <a:endParaRPr lang="en-US" dirty="0">
               <a:solidFill>
-                <a:schemeClr val="accent2"/>
-              </a:solidFill>
-              <a:latin typeface="Courier" pitchFamily="49" charset="0"/>
-            </a:endParaRPr>
-          </a:p>
-          <a:p>
-            <a:pPr marL="411163" indent="-411163">
-              <a:lnSpc>
-                <a:spcPct val="90000"/>
-              </a:lnSpc>
-              <a:spcBef>
-                <a:spcPts val="1500"/>
-              </a:spcBef>
-              <a:buSzPct val="150000"/>
-              <a:buBlip>
-                <a:blip r:embed="rId3"/>
-              </a:buBlip>
-            </a:pPr>
-            <a:endParaRPr lang="en-US" dirty="0" smtClean="0">
-              <a:solidFill>
-                <a:schemeClr val="tx2"/>
+                <a:schemeClr val="accent2">
+                  <a:lumMod val="20000"/>
+                  <a:lumOff val="80000"/>
+                </a:schemeClr>
               </a:solidFill>
             </a:endParaRPr>
           </a:p>
         </p:txBody>
       </p:sp>
+      <p:sp>
+        <p:nvSpPr>
+          <p:cNvPr id="9" name="Rounded Rectangle 8"/>
+          <p:cNvSpPr/>
+          <p:nvPr/>
+        </p:nvSpPr>
+        <p:spPr>
+          <a:xfrm>
+            <a:off x="1977300" y="1762284"/>
+            <a:ext cx="2694012" cy="2779214"/>
+          </a:xfrm>
+          <a:prstGeom prst="roundRect">
+            <a:avLst>
+              <a:gd name="adj" fmla="val 7075"/>
+            </a:avLst>
+          </a:prstGeom>
+          <a:solidFill>
+            <a:schemeClr val="bg1">
+              <a:lumMod val="75000"/>
+            </a:schemeClr>
+          </a:solidFill>
+          <a:ln>
+            <a:solidFill>
+              <a:schemeClr val="accent1"/>
+            </a:solidFill>
+          </a:ln>
+        </p:spPr>
+        <p:txBody>
+          <a:bodyPr wrap="square" lIns="0" tIns="0" rIns="0" bIns="0" rtlCol="1" anchor="ctr">
+            <a:noAutofit/>
+          </a:bodyPr>
+          <a:lstStyle/>
+          <a:p>
+            <a:pPr algn="ctr"/>
+            <a:r>
+              <a:rPr lang="en-US" dirty="0">
+                <a:solidFill>
+                  <a:schemeClr val="bg1"/>
+                </a:solidFill>
+              </a:rPr>
+              <a:t>Payment Flow</a:t>
+            </a:r>
+          </a:p>
+          <a:p>
+            <a:pPr algn="ctr"/>
+            <a:r>
+              <a:rPr lang="en-US" dirty="0" smtClean="0">
+                <a:solidFill>
+                  <a:schemeClr val="bg1"/>
+                </a:solidFill>
+              </a:rPr>
+              <a:t>Engine</a:t>
+            </a:r>
+          </a:p>
+          <a:p>
+            <a:pPr algn="ctr"/>
+            <a:r>
+              <a:rPr lang="en-US" sz="1400" dirty="0" smtClean="0">
+                <a:solidFill>
+                  <a:schemeClr val="bg1"/>
+                </a:solidFill>
+              </a:rPr>
+              <a:t>(interfaces exit points)</a:t>
+            </a:r>
+            <a:endParaRPr lang="en-US" sz="1400" dirty="0">
+              <a:solidFill>
+                <a:schemeClr val="bg1"/>
+              </a:solidFill>
+            </a:endParaRPr>
+          </a:p>
+        </p:txBody>
+      </p:sp>
+      <p:sp>
+        <p:nvSpPr>
+          <p:cNvPr id="10" name="Rounded Rectangle 9"/>
+          <p:cNvSpPr/>
+          <p:nvPr/>
+        </p:nvSpPr>
+        <p:spPr>
+          <a:xfrm rot="5400000">
+            <a:off x="7939004" y="276332"/>
+            <a:ext cx="920188" cy="3935794"/>
+          </a:xfrm>
+          <a:prstGeom prst="roundRect">
+            <a:avLst/>
+          </a:prstGeom>
+          <a:solidFill>
+            <a:schemeClr val="bg1">
+              <a:lumMod val="75000"/>
+            </a:schemeClr>
+          </a:solidFill>
+          <a:ln>
+            <a:noFill/>
+          </a:ln>
+        </p:spPr>
+        <p:style>
+          <a:lnRef idx="2">
+            <a:schemeClr val="accent1">
+              <a:shade val="50000"/>
+            </a:schemeClr>
+          </a:lnRef>
+          <a:fillRef idx="1">
+            <a:schemeClr val="accent1"/>
+          </a:fillRef>
+          <a:effectRef idx="0">
+            <a:schemeClr val="accent1"/>
+          </a:effectRef>
+          <a:fontRef idx="minor">
+            <a:schemeClr val="lt1"/>
+          </a:fontRef>
+        </p:style>
+        <p:txBody>
+          <a:bodyPr vert="vert270" rtlCol="0" anchor="ctr"/>
+          <a:lstStyle/>
+          <a:p>
+            <a:pPr algn="ctr"/>
+            <a:r>
+              <a:rPr lang="en-US" dirty="0" smtClean="0"/>
+              <a:t>Rule Engine</a:t>
+            </a:r>
+          </a:p>
+          <a:p>
+            <a:pPr algn="ctr"/>
+            <a:r>
+              <a:rPr lang="en-US" dirty="0" smtClean="0"/>
+              <a:t>(</a:t>
+            </a:r>
+            <a:r>
+              <a:rPr lang="en-US" sz="1400" dirty="0" smtClean="0"/>
+              <a:t>interface</a:t>
+            </a:r>
+            <a:r>
+              <a:rPr lang="en-US" dirty="0" smtClean="0"/>
+              <a:t> </a:t>
+            </a:r>
+            <a:r>
+              <a:rPr lang="en-US" sz="1400" dirty="0" smtClean="0"/>
+              <a:t>selection</a:t>
+            </a:r>
+            <a:r>
+              <a:rPr lang="en-US" dirty="0" smtClean="0"/>
+              <a:t>)</a:t>
+            </a:r>
+            <a:endParaRPr lang="en-US" dirty="0"/>
+          </a:p>
+        </p:txBody>
+      </p:sp>
+      <p:sp>
+        <p:nvSpPr>
+          <p:cNvPr id="12" name="Rounded Rectangle 11"/>
+          <p:cNvSpPr/>
+          <p:nvPr/>
+        </p:nvSpPr>
+        <p:spPr>
+          <a:xfrm>
+            <a:off x="6646484" y="2954740"/>
+            <a:ext cx="3505643" cy="452762"/>
+          </a:xfrm>
+          <a:prstGeom prst="roundRect">
+            <a:avLst/>
+          </a:prstGeom>
+          <a:solidFill>
+            <a:schemeClr val="bg1">
+              <a:lumMod val="75000"/>
+            </a:schemeClr>
+          </a:solidFill>
+          <a:ln>
+            <a:solidFill>
+              <a:schemeClr val="accent1"/>
+            </a:solidFill>
+          </a:ln>
+        </p:spPr>
+        <p:txBody>
+          <a:bodyPr wrap="square" lIns="0" tIns="0" rIns="0" bIns="0" rtlCol="1" anchor="ctr">
+            <a:noAutofit/>
+          </a:bodyPr>
+          <a:lstStyle/>
+          <a:p>
+            <a:pPr algn="ctr"/>
+            <a:r>
+              <a:rPr lang="en-US" dirty="0">
+                <a:solidFill>
+                  <a:schemeClr val="bg1"/>
+                </a:solidFill>
+              </a:rPr>
+              <a:t>Interface Adapter</a:t>
+            </a:r>
+            <a:endParaRPr lang="en-US" dirty="0">
+              <a:solidFill>
+                <a:schemeClr val="bg1"/>
+              </a:solidFill>
+            </a:endParaRPr>
+          </a:p>
+        </p:txBody>
+      </p:sp>
+      <p:sp>
+        <p:nvSpPr>
+          <p:cNvPr id="13" name="Rounded Rectangle 12"/>
+          <p:cNvSpPr/>
+          <p:nvPr/>
+        </p:nvSpPr>
+        <p:spPr>
+          <a:xfrm>
+            <a:off x="6535206" y="3903406"/>
+            <a:ext cx="1047565" cy="450880"/>
+          </a:xfrm>
+          <a:prstGeom prst="roundRect">
+            <a:avLst/>
+          </a:prstGeom>
+          <a:solidFill>
+            <a:schemeClr val="bg1">
+              <a:lumMod val="75000"/>
+            </a:schemeClr>
+          </a:solidFill>
+          <a:ln>
+            <a:noFill/>
+          </a:ln>
+        </p:spPr>
+        <p:style>
+          <a:lnRef idx="2">
+            <a:schemeClr val="accent1">
+              <a:shade val="50000"/>
+            </a:schemeClr>
+          </a:lnRef>
+          <a:fillRef idx="1">
+            <a:schemeClr val="accent1"/>
+          </a:fillRef>
+          <a:effectRef idx="0">
+            <a:schemeClr val="accent1"/>
+          </a:effectRef>
+          <a:fontRef idx="minor">
+            <a:schemeClr val="lt1"/>
+          </a:fontRef>
+        </p:style>
+        <p:txBody>
+          <a:bodyPr rtlCol="0" anchor="ctr"/>
+          <a:lstStyle/>
+          <a:p>
+            <a:pPr algn="ctr"/>
+            <a:r>
+              <a:rPr lang="en-US" sz="1100" dirty="0"/>
+              <a:t>Message Handler</a:t>
+            </a:r>
+            <a:endParaRPr lang="en-US" sz="1100" dirty="0"/>
+          </a:p>
+        </p:txBody>
+      </p:sp>
+      <p:sp>
+        <p:nvSpPr>
+          <p:cNvPr id="14" name="Rounded Rectangle 13"/>
+          <p:cNvSpPr/>
+          <p:nvPr/>
+        </p:nvSpPr>
+        <p:spPr>
+          <a:xfrm>
+            <a:off x="9245302" y="3834035"/>
+            <a:ext cx="1103818" cy="495269"/>
+          </a:xfrm>
+          <a:prstGeom prst="roundRect">
+            <a:avLst/>
+          </a:prstGeom>
+          <a:ln>
+            <a:noFill/>
+          </a:ln>
+        </p:spPr>
+        <p:style>
+          <a:lnRef idx="2">
+            <a:schemeClr val="accent1">
+              <a:shade val="50000"/>
+            </a:schemeClr>
+          </a:lnRef>
+          <a:fillRef idx="1">
+            <a:schemeClr val="accent1"/>
+          </a:fillRef>
+          <a:effectRef idx="0">
+            <a:schemeClr val="accent1"/>
+          </a:effectRef>
+          <a:fontRef idx="minor">
+            <a:schemeClr val="lt1"/>
+          </a:fontRef>
+        </p:style>
+        <p:txBody>
+          <a:bodyPr rtlCol="0" anchor="ctr"/>
+          <a:lstStyle/>
+          <a:p>
+            <a:pPr algn="ctr"/>
+            <a:r>
+              <a:rPr lang="en-US" sz="1100" dirty="0"/>
+              <a:t>Transmission Layer</a:t>
+            </a:r>
+            <a:endParaRPr lang="en-US" sz="1100" dirty="0"/>
+          </a:p>
+        </p:txBody>
+      </p:sp>
+      <p:sp>
+        <p:nvSpPr>
+          <p:cNvPr id="15" name="Rounded Rectangle 14"/>
+          <p:cNvSpPr/>
+          <p:nvPr/>
+        </p:nvSpPr>
+        <p:spPr>
+          <a:xfrm>
+            <a:off x="7858288" y="3868906"/>
+            <a:ext cx="1081623" cy="460029"/>
+          </a:xfrm>
+          <a:prstGeom prst="roundRect">
+            <a:avLst/>
+          </a:prstGeom>
+          <a:solidFill>
+            <a:schemeClr val="bg1">
+              <a:lumMod val="75000"/>
+            </a:schemeClr>
+          </a:solidFill>
+          <a:ln>
+            <a:noFill/>
+          </a:ln>
+        </p:spPr>
+        <p:style>
+          <a:lnRef idx="2">
+            <a:schemeClr val="accent1">
+              <a:shade val="50000"/>
+            </a:schemeClr>
+          </a:lnRef>
+          <a:fillRef idx="1">
+            <a:schemeClr val="accent1"/>
+          </a:fillRef>
+          <a:effectRef idx="0">
+            <a:schemeClr val="accent1"/>
+          </a:effectRef>
+          <a:fontRef idx="minor">
+            <a:schemeClr val="lt1"/>
+          </a:fontRef>
+        </p:style>
+        <p:txBody>
+          <a:bodyPr rtlCol="0" anchor="ctr"/>
+          <a:lstStyle/>
+          <a:p>
+            <a:pPr algn="ctr"/>
+            <a:r>
+              <a:rPr lang="en-US" sz="1100" dirty="0" smtClean="0"/>
+              <a:t>Configuration</a:t>
+            </a:r>
+            <a:endParaRPr lang="en-US" sz="1100" dirty="0"/>
+          </a:p>
+        </p:txBody>
+      </p:sp>
+      <p:cxnSp>
+        <p:nvCxnSpPr>
+          <p:cNvPr id="18" name="Elbow Connector 17"/>
+          <p:cNvCxnSpPr>
+            <a:stCxn id="12" idx="2"/>
+            <a:endCxn id="13" idx="0"/>
+          </p:cNvCxnSpPr>
+          <p:nvPr/>
+        </p:nvCxnSpPr>
+        <p:spPr>
+          <a:xfrm rot="5400000">
+            <a:off x="7481196" y="2985296"/>
+            <a:ext cx="495904" cy="1340317"/>
+          </a:xfrm>
+          <a:prstGeom prst="bentConnector3">
+            <a:avLst>
+              <a:gd name="adj1" fmla="val 50000"/>
+            </a:avLst>
+          </a:prstGeom>
+          <a:ln w="19050">
+            <a:tailEnd type="triangle"/>
+          </a:ln>
+        </p:spPr>
+        <p:style>
+          <a:lnRef idx="1">
+            <a:schemeClr val="accent1"/>
+          </a:lnRef>
+          <a:fillRef idx="0">
+            <a:schemeClr val="accent1"/>
+          </a:fillRef>
+          <a:effectRef idx="0">
+            <a:schemeClr val="accent1"/>
+          </a:effectRef>
+          <a:fontRef idx="minor">
+            <a:schemeClr val="tx1"/>
+          </a:fontRef>
+        </p:style>
+      </p:cxnSp>
+      <p:cxnSp>
+        <p:nvCxnSpPr>
+          <p:cNvPr id="19" name="Elbow Connector 18"/>
+          <p:cNvCxnSpPr>
+            <a:stCxn id="12" idx="2"/>
+            <a:endCxn id="15" idx="0"/>
+          </p:cNvCxnSpPr>
+          <p:nvPr/>
+        </p:nvCxnSpPr>
+        <p:spPr>
+          <a:xfrm rot="5400000">
+            <a:off x="8168501" y="3638101"/>
+            <a:ext cx="461404" cy="206"/>
+          </a:xfrm>
+          <a:prstGeom prst="bentConnector3">
+            <a:avLst/>
+          </a:prstGeom>
+          <a:ln w="19050">
+            <a:tailEnd type="triangle"/>
+          </a:ln>
+        </p:spPr>
+        <p:style>
+          <a:lnRef idx="1">
+            <a:schemeClr val="accent1"/>
+          </a:lnRef>
+          <a:fillRef idx="0">
+            <a:schemeClr val="accent1"/>
+          </a:fillRef>
+          <a:effectRef idx="0">
+            <a:schemeClr val="accent1"/>
+          </a:effectRef>
+          <a:fontRef idx="minor">
+            <a:schemeClr val="tx1"/>
+          </a:fontRef>
+        </p:style>
+      </p:cxnSp>
+      <p:cxnSp>
+        <p:nvCxnSpPr>
+          <p:cNvPr id="20" name="Elbow Connector 19"/>
+          <p:cNvCxnSpPr>
+            <a:stCxn id="12" idx="2"/>
+            <a:endCxn id="14" idx="0"/>
+          </p:cNvCxnSpPr>
+          <p:nvPr/>
+        </p:nvCxnSpPr>
+        <p:spPr>
+          <a:xfrm rot="16200000" flipH="1">
+            <a:off x="8884992" y="2921815"/>
+            <a:ext cx="426533" cy="1397905"/>
+          </a:xfrm>
+          <a:prstGeom prst="bentConnector3">
+            <a:avLst>
+              <a:gd name="adj1" fmla="val 56244"/>
+            </a:avLst>
+          </a:prstGeom>
+          <a:ln w="19050">
+            <a:tailEnd type="triangle"/>
+          </a:ln>
+        </p:spPr>
+        <p:style>
+          <a:lnRef idx="1">
+            <a:schemeClr val="accent1"/>
+          </a:lnRef>
+          <a:fillRef idx="0">
+            <a:schemeClr val="accent1"/>
+          </a:fillRef>
+          <a:effectRef idx="0">
+            <a:schemeClr val="accent1"/>
+          </a:effectRef>
+          <a:fontRef idx="minor">
+            <a:schemeClr val="tx1"/>
+          </a:fontRef>
+        </p:style>
+      </p:cxnSp>
+      <p:sp>
+        <p:nvSpPr>
+          <p:cNvPr id="21" name="Right Arrow 20"/>
+          <p:cNvSpPr/>
+          <p:nvPr/>
+        </p:nvSpPr>
+        <p:spPr>
+          <a:xfrm>
+            <a:off x="4823559" y="2081716"/>
+            <a:ext cx="1471162" cy="281324"/>
+          </a:xfrm>
+          <a:prstGeom prst="rightArrow">
+            <a:avLst/>
+          </a:prstGeom>
+          <a:solidFill>
+            <a:schemeClr val="bg1">
+              <a:lumMod val="75000"/>
+            </a:schemeClr>
+          </a:solidFill>
+          <a:ln>
+            <a:noFill/>
+          </a:ln>
+        </p:spPr>
+        <p:style>
+          <a:lnRef idx="2">
+            <a:schemeClr val="accent1">
+              <a:shade val="50000"/>
+            </a:schemeClr>
+          </a:lnRef>
+          <a:fillRef idx="1">
+            <a:schemeClr val="accent1"/>
+          </a:fillRef>
+          <a:effectRef idx="0">
+            <a:schemeClr val="accent1"/>
+          </a:effectRef>
+          <a:fontRef idx="minor">
+            <a:schemeClr val="lt1"/>
+          </a:fontRef>
+        </p:style>
+        <p:txBody>
+          <a:bodyPr vert="vert270" rtlCol="0" anchor="ctr"/>
+          <a:lstStyle/>
+          <a:p>
+            <a:pPr algn="ctr"/>
+            <a:endParaRPr lang="en-US"/>
+          </a:p>
+        </p:txBody>
+      </p:sp>
+      <p:sp>
+        <p:nvSpPr>
+          <p:cNvPr id="22" name="Right Arrow 21"/>
+          <p:cNvSpPr/>
+          <p:nvPr/>
+        </p:nvSpPr>
+        <p:spPr>
+          <a:xfrm rot="10800000">
+            <a:off x="4780624" y="4005243"/>
+            <a:ext cx="1471162" cy="354434"/>
+          </a:xfrm>
+          <a:prstGeom prst="rightArrow">
+            <a:avLst/>
+          </a:prstGeom>
+          <a:solidFill>
+            <a:schemeClr val="bg1">
+              <a:lumMod val="75000"/>
+            </a:schemeClr>
+          </a:solidFill>
+          <a:ln>
+            <a:noFill/>
+          </a:ln>
+        </p:spPr>
+        <p:style>
+          <a:lnRef idx="2">
+            <a:schemeClr val="accent1">
+              <a:shade val="50000"/>
+            </a:schemeClr>
+          </a:lnRef>
+          <a:fillRef idx="1">
+            <a:schemeClr val="accent1"/>
+          </a:fillRef>
+          <a:effectRef idx="0">
+            <a:schemeClr val="accent1"/>
+          </a:effectRef>
+          <a:fontRef idx="minor">
+            <a:schemeClr val="lt1"/>
+          </a:fontRef>
+        </p:style>
+        <p:txBody>
+          <a:bodyPr rtlCol="0" anchor="ctr"/>
+          <a:lstStyle/>
+          <a:p>
+            <a:pPr algn="ctr"/>
+            <a:endParaRPr lang="en-US" sz="1100"/>
+          </a:p>
+        </p:txBody>
+      </p:sp>
+      <p:sp>
+        <p:nvSpPr>
+          <p:cNvPr id="23" name="TextBox 22"/>
+          <p:cNvSpPr txBox="1"/>
+          <p:nvPr/>
+        </p:nvSpPr>
+        <p:spPr>
+          <a:xfrm>
+            <a:off x="4941533" y="1875792"/>
+            <a:ext cx="1149342" cy="274731"/>
+          </a:xfrm>
+          <a:prstGeom prst="rect">
+            <a:avLst/>
+          </a:prstGeom>
+          <a:noFill/>
+        </p:spPr>
+        <p:txBody>
+          <a:bodyPr wrap="none" lIns="0" tIns="0" rIns="0" bIns="0" rtlCol="0">
+            <a:noAutofit/>
+          </a:bodyPr>
+          <a:lstStyle/>
+          <a:p>
+            <a:r>
+              <a:rPr lang="en-US" sz="1400" dirty="0">
+                <a:solidFill>
+                  <a:schemeClr val="accent2"/>
+                </a:solidFill>
+              </a:rPr>
+              <a:t>p</a:t>
+            </a:r>
+            <a:r>
+              <a:rPr lang="en-US" sz="1400" dirty="0" smtClean="0">
+                <a:solidFill>
+                  <a:schemeClr val="accent2"/>
+                </a:solidFill>
+              </a:rPr>
+              <a:t>ayment data  </a:t>
+            </a:r>
+          </a:p>
+        </p:txBody>
+      </p:sp>
+      <p:sp>
+        <p:nvSpPr>
+          <p:cNvPr id="24" name="TextBox 23"/>
+          <p:cNvSpPr txBox="1"/>
+          <p:nvPr/>
+        </p:nvSpPr>
+        <p:spPr>
+          <a:xfrm>
+            <a:off x="5022109" y="3807484"/>
+            <a:ext cx="1149342" cy="274731"/>
+          </a:xfrm>
+          <a:prstGeom prst="rect">
+            <a:avLst/>
+          </a:prstGeom>
+          <a:noFill/>
+        </p:spPr>
+        <p:txBody>
+          <a:bodyPr wrap="none" lIns="0" tIns="0" rIns="0" bIns="0" rtlCol="0">
+            <a:noAutofit/>
+          </a:bodyPr>
+          <a:lstStyle/>
+          <a:p>
+            <a:r>
+              <a:rPr lang="en-US" sz="1400" dirty="0" smtClean="0">
+                <a:solidFill>
+                  <a:schemeClr val="accent2"/>
+                </a:solidFill>
+              </a:rPr>
+              <a:t>response data  </a:t>
+            </a:r>
+          </a:p>
+        </p:txBody>
+      </p:sp>
+      <p:pic>
+        <p:nvPicPr>
+          <p:cNvPr id="25" name="Picture 4" descr="Image result for java code"/>
+          <p:cNvPicPr>
+            <a:picLocks noChangeAspect="1" noChangeArrowheads="1"/>
+          </p:cNvPicPr>
+          <p:nvPr/>
+        </p:nvPicPr>
+        <p:blipFill>
+          <a:blip r:embed="rId4">
+            <a:extLst>
+              <a:ext uri="{28A0092B-C50C-407E-A947-70E740481C1C}">
+                <a14:useLocalDpi xmlns:a14="http://schemas.microsoft.com/office/drawing/2010/main" val="0"/>
+              </a:ext>
+            </a:extLst>
+          </a:blip>
+          <a:srcRect/>
+          <a:stretch>
+            <a:fillRect/>
+          </a:stretch>
+        </p:blipFill>
+        <p:spPr bwMode="auto">
+          <a:xfrm>
+            <a:off x="9301340" y="5086533"/>
+            <a:ext cx="1026817" cy="547233"/>
+          </a:xfrm>
+          <a:prstGeom prst="rect">
+            <a:avLst/>
+          </a:prstGeom>
+          <a:noFill/>
+          <a:extLst>
+            <a:ext uri="{909E8E84-426E-40DD-AFC4-6F175D3DCCD1}">
+              <a14:hiddenFill xmlns:a14="http://schemas.microsoft.com/office/drawing/2010/main">
+                <a:solidFill>
+                  <a:srgbClr val="FFFFFF"/>
+                </a:solidFill>
+              </a14:hiddenFill>
+            </a:ext>
+          </a:extLst>
+        </p:spPr>
+      </p:pic>
+      <p:pic>
+        <p:nvPicPr>
+          <p:cNvPr id="26" name="Picture 8" descr="Related image"/>
+          <p:cNvPicPr>
+            <a:picLocks noChangeAspect="1" noChangeArrowheads="1"/>
+          </p:cNvPicPr>
+          <p:nvPr/>
+        </p:nvPicPr>
+        <p:blipFill>
+          <a:blip r:embed="rId5">
+            <a:extLst>
+              <a:ext uri="{28A0092B-C50C-407E-A947-70E740481C1C}">
+                <a14:useLocalDpi xmlns:a14="http://schemas.microsoft.com/office/drawing/2010/main" val="0"/>
+              </a:ext>
+            </a:extLst>
+          </a:blip>
+          <a:srcRect/>
+          <a:stretch>
+            <a:fillRect/>
+          </a:stretch>
+        </p:blipFill>
+        <p:spPr bwMode="auto">
+          <a:xfrm>
+            <a:off x="11289297" y="3584646"/>
+            <a:ext cx="709782" cy="1012557"/>
+          </a:xfrm>
+          <a:prstGeom prst="rect">
+            <a:avLst/>
+          </a:prstGeom>
+          <a:noFill/>
+          <a:extLst>
+            <a:ext uri="{909E8E84-426E-40DD-AFC4-6F175D3DCCD1}">
+              <a14:hiddenFill xmlns:a14="http://schemas.microsoft.com/office/drawing/2010/main">
+                <a:solidFill>
+                  <a:srgbClr val="FFFFFF"/>
+                </a:solidFill>
+              </a14:hiddenFill>
+            </a:ext>
+          </a:extLst>
+        </p:spPr>
+      </p:pic>
+      <p:cxnSp>
+        <p:nvCxnSpPr>
+          <p:cNvPr id="27" name="Straight Arrow Connector 26"/>
+          <p:cNvCxnSpPr>
+            <a:endCxn id="26" idx="1"/>
+          </p:cNvCxnSpPr>
+          <p:nvPr/>
+        </p:nvCxnSpPr>
+        <p:spPr>
+          <a:xfrm flipV="1">
+            <a:off x="10366658" y="4090925"/>
+            <a:ext cx="922639" cy="1"/>
+          </a:xfrm>
+          <a:prstGeom prst="straightConnector1">
+            <a:avLst/>
+          </a:prstGeom>
+          <a:ln w="19050">
+            <a:tailEnd type="triangle"/>
+          </a:ln>
+        </p:spPr>
+        <p:style>
+          <a:lnRef idx="1">
+            <a:schemeClr val="accent1"/>
+          </a:lnRef>
+          <a:fillRef idx="0">
+            <a:schemeClr val="accent1"/>
+          </a:fillRef>
+          <a:effectRef idx="0">
+            <a:schemeClr val="accent1"/>
+          </a:effectRef>
+          <a:fontRef idx="minor">
+            <a:schemeClr val="tx1"/>
+          </a:fontRef>
+        </p:style>
+      </p:cxnSp>
+      <p:cxnSp>
+        <p:nvCxnSpPr>
+          <p:cNvPr id="28" name="Straight Arrow Connector 27"/>
+          <p:cNvCxnSpPr>
+            <a:endCxn id="25" idx="0"/>
+          </p:cNvCxnSpPr>
+          <p:nvPr/>
+        </p:nvCxnSpPr>
+        <p:spPr>
+          <a:xfrm>
+            <a:off x="9814749" y="4338560"/>
+            <a:ext cx="0" cy="747973"/>
+          </a:xfrm>
+          <a:prstGeom prst="straightConnector1">
+            <a:avLst/>
+          </a:prstGeom>
+          <a:ln w="19050">
+            <a:tailEnd type="triangle"/>
+          </a:ln>
+        </p:spPr>
+        <p:style>
+          <a:lnRef idx="1">
+            <a:schemeClr val="accent1"/>
+          </a:lnRef>
+          <a:fillRef idx="0">
+            <a:schemeClr val="accent1"/>
+          </a:fillRef>
+          <a:effectRef idx="0">
+            <a:schemeClr val="accent1"/>
+          </a:effectRef>
+          <a:fontRef idx="minor">
+            <a:schemeClr val="tx1"/>
+          </a:fontRef>
+        </p:style>
+      </p:cxnSp>
     </p:spTree>
     <p:extLst>
       <p:ext uri="{BB962C8B-B14F-4D97-AF65-F5344CB8AC3E}">
@@ -5125,7 +6716,7 @@
             <a:fld id="{D98A2CEC-3088-437B-B321-33BEC7D93FCD}" type="datetime4">
               <a:rPr lang="en-GB" smtClean="0"/>
               <a:pPr/>
-              <a:t>01 March 2018</a:t>
+              <a:t>15 March 2018</a:t>
             </a:fld>
             <a:endParaRPr lang="en-GB" dirty="0"/>
           </a:p>
@@ -5307,7 +6898,7 @@
           <a:p>
             <a:fld id="{6096F0BA-ECEE-44D1-ABE9-40C67B221300}" type="datetime4">
               <a:rPr lang="en-GB" smtClean="0"/>
-              <a:t>01 March 2018</a:t>
+              <a:t>15 March 2018</a:t>
             </a:fld>
             <a:endParaRPr lang="en-GB" dirty="0"/>
           </a:p>
@@ -5487,7 +7078,7 @@
             <a:fld id="{014A5046-EA5E-455B-A3BC-352818629394}" type="datetime4">
               <a:rPr lang="en-GB" smtClean="0"/>
               <a:pPr/>
-              <a:t>01 March 2018</a:t>
+              <a:t>15 March 2018</a:t>
             </a:fld>
             <a:endParaRPr lang="en-GB" dirty="0"/>
           </a:p>
@@ -5657,7 +7248,7 @@
           <a:p>
             <a:fld id="{54BE1DED-F17D-40BA-964F-A1C8DEDCEF61}" type="datetime4">
               <a:rPr lang="en-GB" smtClean="0"/>
-              <a:t>01 March 2018</a:t>
+              <a:t>15 March 2018</a:t>
             </a:fld>
             <a:endParaRPr lang="en-GB" dirty="0"/>
           </a:p>
@@ -5767,7 +7358,7 @@
           <a:p>
             <a:fld id="{54BE1DED-F17D-40BA-964F-A1C8DEDCEF61}" type="datetime4">
               <a:rPr lang="en-GB" smtClean="0"/>
-              <a:t>01 March 2018</a:t>
+              <a:t>15 March 2018</a:t>
             </a:fld>
             <a:endParaRPr lang="en-GB" dirty="0"/>
           </a:p>
@@ -6736,7 +8327,7 @@
             <a:fld id="{BC3F1638-3586-4527-A760-38AC15BFC248}" type="datetime4">
               <a:rPr lang="en-GB" smtClean="0"/>
               <a:pPr/>
-              <a:t>01 March 2018</a:t>
+              <a:t>15 March 2018</a:t>
             </a:fld>
             <a:endParaRPr lang="en-GB" dirty="0"/>
           </a:p>
@@ -6883,7 +8474,7 @@
             <a:fld id="{BC3F1638-3586-4527-A760-38AC15BFC248}" type="datetime4">
               <a:rPr lang="en-GB" smtClean="0"/>
               <a:pPr/>
-              <a:t>01 March 2018</a:t>
+              <a:t>15 March 2018</a:t>
             </a:fld>
             <a:endParaRPr lang="en-GB" dirty="0"/>
           </a:p>
@@ -6921,7 +8512,7 @@
         </p:nvSpPr>
         <p:spPr>
           <a:xfrm>
-            <a:off x="623888" y="1123721"/>
+            <a:off x="623888" y="1284612"/>
             <a:ext cx="9120187" cy="4316566"/>
           </a:xfrm>
           <a:prstGeom prst="rect">
@@ -6955,9 +8546,20 @@
                 <a:solidFill>
                   <a:schemeClr val="accent2"/>
                 </a:solidFill>
-                <a:latin typeface="Courier" pitchFamily="49" charset="0"/>
               </a:rPr>
-              <a:t>UI – Operational and Administrative activities</a:t>
+              <a:t>UI</a:t>
+            </a:r>
+            <a:r>
+              <a:rPr lang="en-US" dirty="0" smtClean="0">
+                <a:solidFill>
+                  <a:schemeClr val="accent2"/>
+                </a:solidFill>
+              </a:rPr>
+              <a:t> – </a:t>
+            </a:r>
+            <a:r>
+              <a:rPr lang="en-US" dirty="0" smtClean="0"/>
+              <a:t>Operational and Administrative activities</a:t>
             </a:r>
           </a:p>
           <a:p>
@@ -6974,12 +8576,7 @@
               </a:buBlip>
             </a:pPr>
             <a:r>
-              <a:rPr lang="en-US" b="1" dirty="0" smtClean="0">
-                <a:solidFill>
-                  <a:schemeClr val="accent2"/>
-                </a:solidFill>
-                <a:latin typeface="Courier" pitchFamily="49" charset="0"/>
-              </a:rPr>
+              <a:rPr lang="en-US" dirty="0"/>
               <a:t>Payment Processing</a:t>
             </a:r>
           </a:p>
@@ -6997,12 +8594,7 @@
               </a:buBlip>
             </a:pPr>
             <a:r>
-              <a:rPr lang="en-US" b="1" dirty="0" smtClean="0">
-                <a:solidFill>
-                  <a:schemeClr val="accent2"/>
-                </a:solidFill>
-                <a:latin typeface="Courier" pitchFamily="49" charset="0"/>
-              </a:rPr>
+              <a:rPr lang="en-US" dirty="0"/>
               <a:t>Reference data update</a:t>
             </a:r>
           </a:p>
@@ -7020,12 +8612,7 @@
               </a:buBlip>
             </a:pPr>
             <a:r>
-              <a:rPr lang="en-US" b="1" dirty="0" smtClean="0">
-                <a:solidFill>
-                  <a:schemeClr val="accent2"/>
-                </a:solidFill>
-                <a:latin typeface="Courier" pitchFamily="49" charset="0"/>
-              </a:rPr>
+              <a:rPr lang="en-US" dirty="0"/>
               <a:t>Reporting</a:t>
             </a:r>
           </a:p>
@@ -7047,9 +8634,20 @@
                 <a:solidFill>
                   <a:schemeClr val="accent2"/>
                 </a:solidFill>
-                <a:latin typeface="Courier" pitchFamily="49" charset="0"/>
               </a:rPr>
-              <a:t>SOA-WS – Initiate processing externally for payment/data</a:t>
+              <a:t>SOA-WS</a:t>
+            </a:r>
+            <a:r>
+              <a:rPr lang="en-US" dirty="0" smtClean="0">
+                <a:solidFill>
+                  <a:schemeClr val="accent2"/>
+                </a:solidFill>
+              </a:rPr>
+              <a:t> – </a:t>
+            </a:r>
+            <a:r>
+              <a:rPr lang="en-US" dirty="0"/>
+              <a:t>Initiate processing externally for payment/data</a:t>
             </a:r>
           </a:p>
           <a:p>
@@ -7066,12 +8664,7 @@
               </a:buBlip>
             </a:pPr>
             <a:r>
-              <a:rPr lang="en-US" b="1" dirty="0" smtClean="0">
-                <a:solidFill>
-                  <a:schemeClr val="accent2"/>
-                </a:solidFill>
-                <a:latin typeface="Courier" pitchFamily="49" charset="0"/>
-              </a:rPr>
+              <a:rPr lang="en-US" dirty="0"/>
               <a:t>Invokes services from external system</a:t>
             </a:r>
           </a:p>
@@ -7089,12 +8682,7 @@
               </a:buBlip>
             </a:pPr>
             <a:r>
-              <a:rPr lang="en-US" b="1" dirty="0" smtClean="0">
-                <a:solidFill>
-                  <a:schemeClr val="accent2"/>
-                </a:solidFill>
-                <a:latin typeface="Courier" pitchFamily="49" charset="0"/>
-              </a:rPr>
+              <a:rPr lang="en-US" dirty="0"/>
               <a:t>Data upload, SOD/EOD task etc.</a:t>
             </a:r>
           </a:p>
@@ -7116,9 +8704,20 @@
                 <a:solidFill>
                   <a:schemeClr val="accent2"/>
                 </a:solidFill>
-                <a:latin typeface="Courier" pitchFamily="49" charset="0"/>
               </a:rPr>
-              <a:t>MQ – External inbound/outbound asynchronous message processing</a:t>
+              <a:t>MQ</a:t>
+            </a:r>
+            <a:r>
+              <a:rPr lang="en-US" dirty="0" smtClean="0">
+                <a:solidFill>
+                  <a:schemeClr val="accent2"/>
+                </a:solidFill>
+              </a:rPr>
+              <a:t> – </a:t>
+            </a:r>
+            <a:r>
+              <a:rPr lang="en-US" dirty="0"/>
+              <a:t>External inbound/outbound asynchronous message processing</a:t>
             </a:r>
           </a:p>
           <a:p>
@@ -7139,9 +8738,20 @@
                 <a:solidFill>
                   <a:schemeClr val="accent2"/>
                 </a:solidFill>
-                <a:latin typeface="Courier" pitchFamily="49" charset="0"/>
               </a:rPr>
-              <a:t>File/FTP/SFTP – External inbound/outbound file processing</a:t>
+              <a:t>File/FTP/SFTP</a:t>
+            </a:r>
+            <a:r>
+              <a:rPr lang="en-US" dirty="0" smtClean="0">
+                <a:solidFill>
+                  <a:schemeClr val="accent2"/>
+                </a:solidFill>
+              </a:rPr>
+              <a:t> – </a:t>
+            </a:r>
+            <a:r>
+              <a:rPr lang="en-US" dirty="0"/>
+              <a:t>External inbound/outbound file processing</a:t>
             </a:r>
           </a:p>
           <a:p>
@@ -7162,9 +8772,20 @@
                 <a:solidFill>
                   <a:schemeClr val="accent2"/>
                 </a:solidFill>
-                <a:latin typeface="Courier" pitchFamily="49" charset="0"/>
               </a:rPr>
-              <a:t>SOAP – External synchronous data processing</a:t>
+              <a:t>SOAP</a:t>
+            </a:r>
+            <a:r>
+              <a:rPr lang="en-US" dirty="0" smtClean="0">
+                <a:solidFill>
+                  <a:schemeClr val="accent2"/>
+                </a:solidFill>
+              </a:rPr>
+              <a:t> – </a:t>
+            </a:r>
+            <a:r>
+              <a:rPr lang="en-US" dirty="0"/>
+              <a:t>External synchronous data processing</a:t>
             </a:r>
           </a:p>
         </p:txBody>
@@ -7390,7 +9011,7 @@
             <a:fld id="{BC3F1638-3586-4527-A760-38AC15BFC248}" type="datetime4">
               <a:rPr lang="en-GB" smtClean="0"/>
               <a:pPr/>
-              <a:t>01 March 2018</a:t>
+              <a:t>15 March 2018</a:t>
             </a:fld>
             <a:endParaRPr lang="en-GB" dirty="0"/>
           </a:p>
@@ -7536,11 +9157,7 @@
             <a:pPr algn="ctr"/>
             <a:r>
               <a:rPr lang="en-US" dirty="0" smtClean="0"/>
-              <a:t>Rule </a:t>
-            </a:r>
-            <a:r>
-              <a:rPr lang="en-US" dirty="0" smtClean="0"/>
-              <a:t>Engine</a:t>
+              <a:t>Rule Engine</a:t>
             </a:r>
           </a:p>
           <a:p>
@@ -8301,11 +9918,6 @@
               </a:rPr>
               <a:t>ayment data  </a:t>
             </a:r>
-            <a:endParaRPr lang="en-US" sz="1400" dirty="0" smtClean="0">
-              <a:solidFill>
-                <a:schemeClr val="accent2"/>
-              </a:solidFill>
-            </a:endParaRPr>
           </a:p>
         </p:txBody>
       </p:sp>
@@ -8337,21 +9949,8 @@
                   <a:schemeClr val="accent2"/>
                 </a:solidFill>
               </a:rPr>
-              <a:t>response</a:t>
-            </a:r>
-            <a:r>
-              <a:rPr lang="en-US" sz="1400" dirty="0" smtClean="0">
-                <a:solidFill>
-                  <a:schemeClr val="accent2"/>
-                </a:solidFill>
-              </a:rPr>
-              <a:t> data  </a:t>
-            </a:r>
-            <a:endParaRPr lang="en-US" sz="1400" dirty="0" smtClean="0">
-              <a:solidFill>
-                <a:schemeClr val="accent2"/>
-              </a:solidFill>
-            </a:endParaRPr>
+              <a:t>response data  </a:t>
+            </a:r>
           </a:p>
         </p:txBody>
       </p:sp>
@@ -8449,7 +10048,7 @@
             <a:fld id="{BC3F1638-3586-4527-A760-38AC15BFC248}" type="datetime4">
               <a:rPr lang="en-GB" smtClean="0"/>
               <a:pPr/>
-              <a:t>01 March 2018</a:t>
+              <a:t>15 March 2018</a:t>
             </a:fld>
             <a:endParaRPr lang="en-GB" dirty="0"/>
           </a:p>
@@ -8487,8 +10086,8 @@
         </p:nvSpPr>
         <p:spPr>
           <a:xfrm>
-            <a:off x="623888" y="930415"/>
-            <a:ext cx="9789619" cy="4124206"/>
+            <a:off x="623888" y="1690070"/>
+            <a:ext cx="9789619" cy="2549929"/>
           </a:xfrm>
           <a:prstGeom prst="rect">
             <a:avLst/>
@@ -8517,13 +10116,16 @@
               </a:buBlip>
             </a:pPr>
             <a:r>
-              <a:rPr lang="en-US" b="1" dirty="0" smtClean="0">
+              <a:rPr lang="en-US" dirty="0" smtClean="0">
                 <a:solidFill>
                   <a:schemeClr val="accent2"/>
                 </a:solidFill>
-                <a:latin typeface="Courier" pitchFamily="49" charset="0"/>
               </a:rPr>
-              <a:t>Handler – Java code for parsing/processing message </a:t>
+              <a:t>Handler – </a:t>
+            </a:r>
+            <a:r>
+              <a:rPr lang="en-US" dirty="0" smtClean="0"/>
+              <a:t>Java code for parsing/processing message </a:t>
             </a:r>
           </a:p>
           <a:p>
@@ -8540,13 +10142,16 @@
               </a:buBlip>
             </a:pPr>
             <a:r>
-              <a:rPr lang="en-US" b="1" dirty="0" smtClean="0">
+              <a:rPr lang="en-US" dirty="0" smtClean="0">
                 <a:solidFill>
                   <a:schemeClr val="accent2"/>
                 </a:solidFill>
-                <a:latin typeface="Courier" pitchFamily="49" charset="0"/>
               </a:rPr>
-              <a:t>Direction – Incoming or outgoing</a:t>
+              <a:t>Direction – </a:t>
+            </a:r>
+            <a:r>
+              <a:rPr lang="en-US" dirty="0" smtClean="0"/>
+              <a:t>Incoming or outgoing</a:t>
             </a:r>
           </a:p>
           <a:p>
@@ -8563,13 +10168,16 @@
               </a:buBlip>
             </a:pPr>
             <a:r>
-              <a:rPr lang="en-US" b="1" dirty="0" smtClean="0">
+              <a:rPr lang="en-US" dirty="0" smtClean="0">
                 <a:solidFill>
                   <a:schemeClr val="accent2"/>
                 </a:solidFill>
-                <a:latin typeface="Courier" pitchFamily="49" charset="0"/>
               </a:rPr>
-              <a:t>Behavior – Processing behavior in event of interface down</a:t>
+              <a:t>Behavior – </a:t>
+            </a:r>
+            <a:r>
+              <a:rPr lang="en-US" dirty="0" smtClean="0"/>
+              <a:t>Processing behavior in event of interface down</a:t>
             </a:r>
           </a:p>
           <a:p>
@@ -8586,13 +10194,16 @@
               </a:buBlip>
             </a:pPr>
             <a:r>
-              <a:rPr lang="en-US" b="1" dirty="0" smtClean="0">
+              <a:rPr lang="en-US" dirty="0" smtClean="0">
                 <a:solidFill>
                   <a:schemeClr val="accent2"/>
                 </a:solidFill>
-                <a:latin typeface="Courier" pitchFamily="49" charset="0"/>
               </a:rPr>
-              <a:t>Endpoint – Source or destination for message</a:t>
+              <a:t>Endpoint – </a:t>
+            </a:r>
+            <a:r>
+              <a:rPr lang="en-US" dirty="0" smtClean="0"/>
+              <a:t>Source or destination for message</a:t>
             </a:r>
           </a:p>
           <a:p>
@@ -8609,30 +10220,23 @@
               </a:buBlip>
             </a:pPr>
             <a:r>
-              <a:rPr lang="en-US" b="1" dirty="0" smtClean="0">
+              <a:rPr lang="en-US" dirty="0" smtClean="0">
                 <a:solidFill>
                   <a:schemeClr val="accent2"/>
                 </a:solidFill>
-                <a:latin typeface="Courier" pitchFamily="49" charset="0"/>
               </a:rPr>
-              <a:t>Protocol – Transmission protocol to be used i.e. MQ/SOAP/FILE/DB </a:t>
-            </a:r>
-            <a:r>
-              <a:rPr lang="en-US" b="1" dirty="0" err="1" smtClean="0">
-                <a:solidFill>
-                  <a:schemeClr val="accent2"/>
-                </a:solidFill>
-                <a:latin typeface="Courier" pitchFamily="49" charset="0"/>
-              </a:rPr>
+              <a:t>Protocol – </a:t>
+            </a:r>
+            <a:r>
+              <a:rPr lang="en-US" dirty="0" smtClean="0"/>
+              <a:t>Transmission protocol to be used i.e. MQ/SOAP/FILE/DB </a:t>
+            </a:r>
+            <a:r>
+              <a:rPr lang="en-US" dirty="0" err="1" smtClean="0"/>
               <a:t>etc</a:t>
             </a:r>
             <a:r>
-              <a:rPr lang="en-US" b="1" dirty="0" smtClean="0">
-                <a:solidFill>
-                  <a:schemeClr val="accent2"/>
-                </a:solidFill>
-                <a:latin typeface="Courier" pitchFamily="49" charset="0"/>
-              </a:rPr>
+              <a:rPr lang="en-US" dirty="0" smtClean="0"/>
               <a:t> </a:t>
             </a:r>
           </a:p>
@@ -8650,73 +10254,22 @@
               </a:buBlip>
             </a:pPr>
             <a:r>
-              <a:rPr lang="en-US" b="1" dirty="0" smtClean="0">
+              <a:rPr lang="en-US" dirty="0" smtClean="0">
                 <a:solidFill>
                   <a:schemeClr val="accent2"/>
                 </a:solidFill>
-                <a:latin typeface="Courier" pitchFamily="49" charset="0"/>
               </a:rPr>
-              <a:t>Scaling – Scaling factor for parallel processing</a:t>
-            </a:r>
-          </a:p>
-          <a:p>
-            <a:pPr marL="411163" indent="-411163">
-              <a:lnSpc>
-                <a:spcPct val="90000"/>
-              </a:lnSpc>
-              <a:spcBef>
-                <a:spcPts val="1500"/>
-              </a:spcBef>
-              <a:buSzPct val="150000"/>
-              <a:buBlip>
-                <a:blip r:embed="rId3"/>
-              </a:buBlip>
-            </a:pPr>
-            <a:endParaRPr lang="en-US" b="1" dirty="0" smtClean="0">
-              <a:solidFill>
-                <a:schemeClr val="accent2"/>
-              </a:solidFill>
-              <a:latin typeface="Courier" pitchFamily="49" charset="0"/>
-            </a:endParaRPr>
-          </a:p>
-          <a:p>
-            <a:pPr marL="411163" indent="-411163">
-              <a:lnSpc>
-                <a:spcPct val="90000"/>
-              </a:lnSpc>
-              <a:spcBef>
-                <a:spcPts val="1500"/>
-              </a:spcBef>
-              <a:buSzPct val="150000"/>
-              <a:buBlip>
-                <a:blip r:embed="rId3"/>
-              </a:buBlip>
-            </a:pPr>
-            <a:endParaRPr lang="en-US" b="1" dirty="0" smtClean="0">
-              <a:solidFill>
-                <a:schemeClr val="accent2"/>
-              </a:solidFill>
-              <a:latin typeface="Courier" pitchFamily="49" charset="0"/>
-            </a:endParaRPr>
-          </a:p>
-          <a:p>
-            <a:pPr marL="411163" indent="-411163">
-              <a:lnSpc>
-                <a:spcPct val="90000"/>
-              </a:lnSpc>
-              <a:spcBef>
-                <a:spcPts val="1500"/>
-              </a:spcBef>
-              <a:buSzPct val="150000"/>
-              <a:buBlip>
-                <a:blip r:embed="rId3"/>
-              </a:buBlip>
-            </a:pPr>
-            <a:endParaRPr lang="en-US" dirty="0" smtClean="0">
-              <a:solidFill>
-                <a:schemeClr val="tx2"/>
-              </a:solidFill>
-            </a:endParaRPr>
+              <a:t>Scaling – </a:t>
+            </a:r>
+            <a:r>
+              <a:rPr lang="en-US" dirty="0" smtClean="0"/>
+              <a:t>Scaling factor for parallel </a:t>
+            </a:r>
+            <a:r>
+              <a:rPr lang="en-US" dirty="0" smtClean="0"/>
+              <a:t>processing</a:t>
+            </a:r>
+            <a:endParaRPr lang="en-US" dirty="0" smtClean="0"/>
           </a:p>
         </p:txBody>
       </p:sp>
@@ -9592,6 +11145,15 @@
 </file>
 
 <file path=customXml/item2.xml><?xml version="1.0" encoding="utf-8"?>
+<p:properties xmlns:p="http://schemas.microsoft.com/office/2006/metadata/properties" xmlns:xsi="http://www.w3.org/2001/XMLSchema-instance" xmlns:pc="http://schemas.microsoft.com/office/infopath/2007/PartnerControls">
+  <documentManagement>
+    <PublishingExpirationDate xmlns="http://schemas.microsoft.com/sharepoint/v3" xsi:nil="true"/>
+    <PublishingStartDate xmlns="http://schemas.microsoft.com/sharepoint/v3" xsi:nil="true"/>
+  </documentManagement>
+</p:properties>
+</file>
+
+<file path=customXml/item3.xml><?xml version="1.0" encoding="utf-8"?>
 <ct:contentTypeSchema xmlns:ct="http://schemas.microsoft.com/office/2006/metadata/contentType" xmlns:ma="http://schemas.microsoft.com/office/2006/metadata/properties/metaAttributes" ct:_="" ma:_="" ma:contentTypeName="Document" ma:contentTypeID="0x0101009AFDA2510A45954CB46081864A6D864F" ma:contentTypeVersion="5" ma:contentTypeDescription="Create a new document." ma:contentTypeScope="" ma:versionID="5b475eef84496e2b7a4205b1d00d7d4c">
   <xsd:schema xmlns:xsd="http://www.w3.org/2001/XMLSchema" xmlns:xs="http://www.w3.org/2001/XMLSchema" xmlns:p="http://schemas.microsoft.com/office/2006/metadata/properties" xmlns:ns1="http://schemas.microsoft.com/sharepoint/v3" xmlns:ns2="1913475e-a030-45ec-9e8a-a2630205b38f" xmlns:ns3="0ae7057e-292f-4fd1-bead-5494e4c66c6d" targetNamespace="http://schemas.microsoft.com/office/2006/metadata/properties" ma:root="true" ma:fieldsID="85738e600c763465eda532a3d229a01a" ns1:_="" ns2:_="" ns3:_="">
     <xsd:import namespace="http://schemas.microsoft.com/sharepoint/v3"/>
@@ -9773,15 +11335,6 @@
 </ct:contentTypeSchema>
 </file>
 
-<file path=customXml/item3.xml><?xml version="1.0" encoding="utf-8"?>
-<p:properties xmlns:p="http://schemas.microsoft.com/office/2006/metadata/properties" xmlns:xsi="http://www.w3.org/2001/XMLSchema-instance" xmlns:pc="http://schemas.microsoft.com/office/infopath/2007/PartnerControls">
-  <documentManagement>
-    <PublishingExpirationDate xmlns="http://schemas.microsoft.com/sharepoint/v3" xsi:nil="true"/>
-    <PublishingStartDate xmlns="http://schemas.microsoft.com/sharepoint/v3" xsi:nil="true"/>
-  </documentManagement>
-</p:properties>
-</file>
-
 <file path=customXml/itemProps1.xml><?xml version="1.0" encoding="utf-8"?>
 <ds:datastoreItem xmlns:ds="http://schemas.openxmlformats.org/officeDocument/2006/customXml" ds:itemID="{CA1AEAF9-C730-4098-99F1-230B2FED747B}">
   <ds:schemaRefs>
@@ -9791,6 +11344,24 @@
 </file>
 
 <file path=customXml/itemProps2.xml><?xml version="1.0" encoding="utf-8"?>
+<ds:datastoreItem xmlns:ds="http://schemas.openxmlformats.org/officeDocument/2006/customXml" ds:itemID="{D7186F62-2954-471E-9368-38BF5704F41F}">
+  <ds:schemaRefs>
+    <ds:schemaRef ds:uri="http://schemas.microsoft.com/sharepoint/v3"/>
+    <ds:schemaRef ds:uri="0ae7057e-292f-4fd1-bead-5494e4c66c6d"/>
+    <ds:schemaRef ds:uri="http://purl.org/dc/terms/"/>
+    <ds:schemaRef ds:uri="http://schemas.openxmlformats.org/package/2006/metadata/core-properties"/>
+    <ds:schemaRef ds:uri="http://schemas.microsoft.com/office/2006/documentManagement/types"/>
+    <ds:schemaRef ds:uri="http://schemas.microsoft.com/office/infopath/2007/PartnerControls"/>
+    <ds:schemaRef ds:uri="http://purl.org/dc/elements/1.1/"/>
+    <ds:schemaRef ds:uri="http://schemas.microsoft.com/office/2006/metadata/properties"/>
+    <ds:schemaRef ds:uri="1913475e-a030-45ec-9e8a-a2630205b38f"/>
+    <ds:schemaRef ds:uri="http://www.w3.org/XML/1998/namespace"/>
+    <ds:schemaRef ds:uri="http://purl.org/dc/dcmitype/"/>
+  </ds:schemaRefs>
+</ds:datastoreItem>
+</file>
+
+<file path=customXml/itemProps3.xml><?xml version="1.0" encoding="utf-8"?>
 <ds:datastoreItem xmlns:ds="http://schemas.openxmlformats.org/officeDocument/2006/customXml" ds:itemID="{F6B4073B-771D-450A-9EDA-ABAA77B0531E}">
   <ds:schemaRefs>
     <ds:schemaRef ds:uri="http://schemas.microsoft.com/office/2006/metadata/contentType"/>
@@ -9808,22 +11379,4 @@
     <ds:schemaRef ds:uri="http://schemas.microsoft.com/internal/obd"/>
   </ds:schemaRefs>
 </ds:datastoreItem>
-</file>
-
-<file path=customXml/itemProps3.xml><?xml version="1.0" encoding="utf-8"?>
-<ds:datastoreItem xmlns:ds="http://schemas.openxmlformats.org/officeDocument/2006/customXml" ds:itemID="{D7186F62-2954-471E-9368-38BF5704F41F}">
-  <ds:schemaRefs>
-    <ds:schemaRef ds:uri="http://schemas.microsoft.com/sharepoint/v3"/>
-    <ds:schemaRef ds:uri="0ae7057e-292f-4fd1-bead-5494e4c66c6d"/>
-    <ds:schemaRef ds:uri="http://purl.org/dc/terms/"/>
-    <ds:schemaRef ds:uri="http://schemas.openxmlformats.org/package/2006/metadata/core-properties"/>
-    <ds:schemaRef ds:uri="http://schemas.microsoft.com/office/2006/documentManagement/types"/>
-    <ds:schemaRef ds:uri="http://schemas.microsoft.com/office/infopath/2007/PartnerControls"/>
-    <ds:schemaRef ds:uri="http://purl.org/dc/elements/1.1/"/>
-    <ds:schemaRef ds:uri="http://schemas.microsoft.com/office/2006/metadata/properties"/>
-    <ds:schemaRef ds:uri="1913475e-a030-45ec-9e8a-a2630205b38f"/>
-    <ds:schemaRef ds:uri="http://www.w3.org/XML/1998/namespace"/>
-    <ds:schemaRef ds:uri="http://purl.org/dc/dcmitype/"/>
-  </ds:schemaRefs>
-</ds:datastoreItem>
 </file>